--- a/courses/sysprog/slides/lec18-tree.pptx
+++ b/courses/sysprog/slides/lec18-tree.pptx
@@ -1,6 +1,6 @@
 
 <file path=ppt/presentation.xml><?xml version="1.0" encoding="utf-8"?>
-<p:presentation xmlns:a="http://schemas.openxmlformats.org/drawingml/2006/main" xmlns:r="http://schemas.openxmlformats.org/officeDocument/2006/relationships" xmlns:p="http://schemas.openxmlformats.org/presentationml/2006/main" compatMode="1" saveSubsetFonts="1" autoCompressPictures="0">
+<p:presentation xmlns:a="http://schemas.openxmlformats.org/drawingml/2006/main" xmlns:r="http://schemas.openxmlformats.org/officeDocument/2006/relationships" xmlns:p="http://schemas.openxmlformats.org/presentationml/2006/main" saveSubsetFonts="1" autoCompressPictures="0">
   <p:sldMasterIdLst>
     <p:sldMasterId id="2147483649" r:id="rId1"/>
   </p:sldMasterIdLst>
@@ -5443,8 +5443,16 @@
           <a:lstStyle/>
           <a:p>
             <a:r>
-              <a:rPr lang="en-US" altLang="zh-CN"/>
-              <a:t>Abstract Data Types in C: Interface</a:t>
+              <a:rPr lang="en-US" altLang="zh-CN" dirty="0"/>
+              <a:t>Tree</a:t>
+            </a:r>
+            <a:r>
+              <a:rPr lang="zh-CN" altLang="en-US" dirty="0"/>
+              <a:t> </a:t>
+            </a:r>
+            <a:r>
+              <a:rPr lang="en-US" altLang="zh-CN" dirty="0"/>
+              <a:t>Interfaces</a:t>
             </a:r>
           </a:p>
         </p:txBody>
@@ -5478,10 +5486,22 @@
               <a:buNone/>
             </a:pPr>
             <a:r>
-              <a:rPr lang="en-US" altLang="zh-CN" sz="2000" b="1">
+              <a:rPr lang="en-US" altLang="zh-CN" sz="2000" b="1" dirty="0">
                 <a:latin typeface="Courier New" panose="02070309020205020404" pitchFamily="49" charset="0"/>
               </a:rPr>
-              <a:t>// in file “tree.h”</a:t>
+              <a:t>// in file “</a:t>
+            </a:r>
+            <a:r>
+              <a:rPr lang="en-US" altLang="zh-CN" sz="2000" b="1" dirty="0" err="1">
+                <a:latin typeface="Courier New" panose="02070309020205020404" pitchFamily="49" charset="0"/>
+              </a:rPr>
+              <a:t>tree.h</a:t>
+            </a:r>
+            <a:r>
+              <a:rPr lang="en-US" altLang="zh-CN" sz="2000" b="1" dirty="0">
+                <a:latin typeface="Courier New" panose="02070309020205020404" pitchFamily="49" charset="0"/>
+              </a:rPr>
+              <a:t>”</a:t>
             </a:r>
           </a:p>
           <a:p>
@@ -5493,13 +5513,31 @@
               <a:buNone/>
             </a:pPr>
             <a:r>
-              <a:rPr lang="en-US" altLang="zh-CN" sz="2000" b="1">
+              <a:rPr lang="en-US" altLang="zh-CN" sz="2000" b="1" dirty="0">
                 <a:solidFill>
-                  <a:schemeClr val="folHlink"/>
+                  <a:srgbClr val="0432FF"/>
                 </a:solidFill>
                 <a:latin typeface="Courier New" panose="02070309020205020404" pitchFamily="49" charset="0"/>
               </a:rPr>
-              <a:t>#ifndef TREE_H</a:t>
+              <a:t>#</a:t>
+            </a:r>
+            <a:r>
+              <a:rPr lang="en-US" altLang="zh-CN" sz="2000" b="1" dirty="0" err="1">
+                <a:solidFill>
+                  <a:srgbClr val="0432FF"/>
+                </a:solidFill>
+                <a:latin typeface="Courier New" panose="02070309020205020404" pitchFamily="49" charset="0"/>
+              </a:rPr>
+              <a:t>ifndef</a:t>
+            </a:r>
+            <a:r>
+              <a:rPr lang="en-US" altLang="zh-CN" sz="2000" b="1" dirty="0">
+                <a:solidFill>
+                  <a:srgbClr val="0432FF"/>
+                </a:solidFill>
+                <a:latin typeface="Courier New" panose="02070309020205020404" pitchFamily="49" charset="0"/>
+              </a:rPr>
+              <a:t> TREE_H</a:t>
             </a:r>
           </a:p>
           <a:p>
@@ -5511,9 +5549,9 @@
               <a:buNone/>
             </a:pPr>
             <a:r>
-              <a:rPr lang="en-US" altLang="zh-CN" sz="2000" b="1">
+              <a:rPr lang="en-US" altLang="zh-CN" sz="2000" b="1" dirty="0">
                 <a:solidFill>
-                  <a:schemeClr val="folHlink"/>
+                  <a:srgbClr val="0432FF"/>
                 </a:solidFill>
                 <a:latin typeface="Courier New" panose="02070309020205020404" pitchFamily="49" charset="0"/>
               </a:rPr>
@@ -5528,9 +5566,9 @@
               <a:buFont typeface="Wingdings" pitchFamily="2" charset="2"/>
               <a:buNone/>
             </a:pPr>
-            <a:endParaRPr lang="en-US" altLang="zh-CN" sz="2000" b="1">
+            <a:endParaRPr lang="en-US" altLang="zh-CN" sz="2000" b="1" dirty="0">
               <a:solidFill>
-                <a:schemeClr val="folHlink"/>
+                <a:srgbClr val="0432FF"/>
               </a:solidFill>
               <a:latin typeface="Courier New" panose="02070309020205020404" pitchFamily="49" charset="0"/>
             </a:endParaRPr>
@@ -5544,14 +5582,56 @@
               <a:buNone/>
             </a:pPr>
             <a:r>
-              <a:rPr lang="en-US" altLang="zh-CN" sz="2000" b="1">
+              <a:rPr lang="en-US" altLang="zh-CN" sz="2000" b="1" dirty="0">
                 <a:solidFill>
-                  <a:schemeClr val="folHlink"/>
+                  <a:srgbClr val="0432FF"/>
                 </a:solidFill>
                 <a:latin typeface="Courier New" panose="02070309020205020404" pitchFamily="49" charset="0"/>
               </a:rPr>
-              <a:t>#define T Tree_t</a:t>
-            </a:r>
+              <a:t>#define</a:t>
+            </a:r>
+            <a:r>
+              <a:rPr lang="zh-CN" altLang="en-US" sz="2000" b="1" dirty="0">
+                <a:solidFill>
+                  <a:srgbClr val="0432FF"/>
+                </a:solidFill>
+                <a:latin typeface="Courier New" panose="02070309020205020404" pitchFamily="49" charset="0"/>
+              </a:rPr>
+              <a:t> </a:t>
+            </a:r>
+            <a:r>
+              <a:rPr lang="en-US" altLang="zh-CN" sz="2000" b="1" dirty="0">
+                <a:solidFill>
+                  <a:srgbClr val="0432FF"/>
+                </a:solidFill>
+                <a:latin typeface="Courier New" panose="02070309020205020404" pitchFamily="49" charset="0"/>
+              </a:rPr>
+              <a:t>T</a:t>
+            </a:r>
+            <a:r>
+              <a:rPr lang="zh-CN" altLang="en-US" sz="2000" b="1" dirty="0">
+                <a:solidFill>
+                  <a:srgbClr val="0432FF"/>
+                </a:solidFill>
+                <a:latin typeface="Courier New" panose="02070309020205020404" pitchFamily="49" charset="0"/>
+              </a:rPr>
+              <a:t> </a:t>
+            </a:r>
+            <a:r>
+              <a:rPr lang="en-US" altLang="zh-CN" sz="2000" b="1" dirty="0" err="1">
+                <a:solidFill>
+                  <a:srgbClr val="0432FF"/>
+                </a:solidFill>
+                <a:latin typeface="Courier New" panose="02070309020205020404" pitchFamily="49" charset="0"/>
+              </a:rPr>
+              <a:t>Tree_t</a:t>
+            </a:r>
+            <a:endParaRPr lang="en-US" altLang="zh-CN" sz="2000" b="1" dirty="0">
+              <a:solidFill>
+                <a:srgbClr val="0432FF"/>
+              </a:solidFill>
+              <a:latin typeface="Courier New" panose="02070309020205020404" pitchFamily="49" charset="0"/>
+            </a:endParaRPr>
           </a:p>
           <a:p>
             <a:pPr>
@@ -5562,9 +5642,9 @@
               <a:buNone/>
             </a:pPr>
             <a:r>
-              <a:rPr lang="en-US" altLang="zh-CN" sz="2000" b="1">
+              <a:rPr lang="en-US" altLang="zh-CN" sz="2000" b="1" dirty="0">
                 <a:solidFill>
-                  <a:schemeClr val="folHlink"/>
+                  <a:srgbClr val="0432FF"/>
                 </a:solidFill>
                 <a:latin typeface="Courier New" panose="02070309020205020404" pitchFamily="49" charset="0"/>
               </a:rPr>
@@ -5579,9 +5659,9 @@
               <a:buFont typeface="Wingdings" pitchFamily="2" charset="2"/>
               <a:buNone/>
             </a:pPr>
-            <a:endParaRPr lang="en-US" altLang="zh-CN" sz="2000" b="1">
+            <a:endParaRPr lang="en-US" altLang="zh-CN" sz="2000" b="1" dirty="0">
               <a:solidFill>
-                <a:schemeClr val="folHlink"/>
+                <a:srgbClr val="0432FF"/>
               </a:solidFill>
               <a:latin typeface="Courier New" panose="02070309020205020404" pitchFamily="49" charset="0"/>
             </a:endParaRPr>
@@ -5595,13 +5675,31 @@
               <a:buNone/>
             </a:pPr>
             <a:r>
-              <a:rPr lang="en-US" altLang="zh-CN" sz="2000" b="1">
+              <a:rPr lang="en-US" altLang="zh-CN" sz="2000" b="1" dirty="0">
                 <a:solidFill>
-                  <a:schemeClr val="folHlink"/>
+                  <a:srgbClr val="0432FF"/>
                 </a:solidFill>
                 <a:latin typeface="Courier New" panose="02070309020205020404" pitchFamily="49" charset="0"/>
               </a:rPr>
-              <a:t>T Tree_new ();</a:t>
+              <a:t>T </a:t>
+            </a:r>
+            <a:r>
+              <a:rPr lang="en-US" altLang="zh-CN" sz="2000" b="1" dirty="0" err="1">
+                <a:solidFill>
+                  <a:srgbClr val="0432FF"/>
+                </a:solidFill>
+                <a:latin typeface="Courier New" panose="02070309020205020404" pitchFamily="49" charset="0"/>
+              </a:rPr>
+              <a:t>Tree_new</a:t>
+            </a:r>
+            <a:r>
+              <a:rPr lang="en-US" altLang="zh-CN" sz="2000" b="1" dirty="0">
+                <a:solidFill>
+                  <a:srgbClr val="0432FF"/>
+                </a:solidFill>
+                <a:latin typeface="Courier New" panose="02070309020205020404" pitchFamily="49" charset="0"/>
+              </a:rPr>
+              <a:t>();</a:t>
             </a:r>
           </a:p>
           <a:p>
@@ -5613,13 +5711,31 @@
               <a:buNone/>
             </a:pPr>
             <a:r>
-              <a:rPr lang="en-US" altLang="zh-CN" sz="2000" b="1">
+              <a:rPr lang="en-US" altLang="zh-CN" sz="2000" b="1" dirty="0">
                 <a:solidFill>
-                  <a:schemeClr val="folHlink"/>
+                  <a:srgbClr val="0432FF"/>
                 </a:solidFill>
                 <a:latin typeface="Courier New" panose="02070309020205020404" pitchFamily="49" charset="0"/>
               </a:rPr>
-              <a:t>T Tree_new2 (T left, poly data, T right);</a:t>
+              <a:t>T Tree_new2(T left, </a:t>
+            </a:r>
+            <a:r>
+              <a:rPr lang="en-US" altLang="zh-CN" sz="2000" b="1" dirty="0" err="1">
+                <a:solidFill>
+                  <a:srgbClr val="0432FF"/>
+                </a:solidFill>
+                <a:latin typeface="Courier New" panose="02070309020205020404" pitchFamily="49" charset="0"/>
+              </a:rPr>
+              <a:t>Poly_t</a:t>
+            </a:r>
+            <a:r>
+              <a:rPr lang="en-US" altLang="zh-CN" sz="2000" b="1" dirty="0">
+                <a:solidFill>
+                  <a:srgbClr val="0432FF"/>
+                </a:solidFill>
+                <a:latin typeface="Courier New" panose="02070309020205020404" pitchFamily="49" charset="0"/>
+              </a:rPr>
+              <a:t> data, T right);</a:t>
             </a:r>
           </a:p>
           <a:p>
@@ -5631,13 +5747,49 @@
               <a:buNone/>
             </a:pPr>
             <a:r>
-              <a:rPr lang="en-US" altLang="zh-CN" sz="2000" b="1">
+              <a:rPr lang="en-US" altLang="zh-CN" sz="2000" b="1" dirty="0">
                 <a:solidFill>
-                  <a:schemeClr val="folHlink"/>
+                  <a:srgbClr val="0432FF"/>
                 </a:solidFill>
                 <a:latin typeface="Courier New" panose="02070309020205020404" pitchFamily="49" charset="0"/>
               </a:rPr>
-              <a:t>void Tree_preOrder (T t, void (*visit)(poly));</a:t>
+              <a:t>void </a:t>
+            </a:r>
+            <a:r>
+              <a:rPr lang="en-US" altLang="zh-CN" sz="2000" b="1" dirty="0" err="1">
+                <a:solidFill>
+                  <a:srgbClr val="0432FF"/>
+                </a:solidFill>
+                <a:latin typeface="Courier New" panose="02070309020205020404" pitchFamily="49" charset="0"/>
+              </a:rPr>
+              <a:t>Tree_preOrder</a:t>
+            </a:r>
+            <a:r>
+              <a:rPr lang="en-US" altLang="zh-CN" sz="2000" b="1" dirty="0">
+                <a:solidFill>
+                  <a:srgbClr val="0432FF"/>
+                </a:solidFill>
+                <a:latin typeface="Courier New" panose="02070309020205020404" pitchFamily="49" charset="0"/>
+              </a:rPr>
+              <a:t>(T t, void(*visit)(</a:t>
+            </a:r>
+            <a:r>
+              <a:rPr lang="en-US" altLang="zh-CN" sz="2000" b="1" dirty="0" err="1">
+                <a:solidFill>
+                  <a:srgbClr val="0432FF"/>
+                </a:solidFill>
+                <a:latin typeface="Courier New" panose="02070309020205020404" pitchFamily="49" charset="0"/>
+              </a:rPr>
+              <a:t>Poly_t</a:t>
+            </a:r>
+            <a:r>
+              <a:rPr lang="en-US" altLang="zh-CN" sz="2000" b="1" dirty="0">
+                <a:solidFill>
+                  <a:srgbClr val="0432FF"/>
+                </a:solidFill>
+                <a:latin typeface="Courier New" panose="02070309020205020404" pitchFamily="49" charset="0"/>
+              </a:rPr>
+              <a:t>));</a:t>
             </a:r>
           </a:p>
           <a:p>
@@ -5649,13 +5801,49 @@
               <a:buNone/>
             </a:pPr>
             <a:r>
-              <a:rPr lang="en-US" altLang="zh-CN" sz="2000" b="1">
+              <a:rPr lang="en-US" altLang="zh-CN" sz="2000" b="1" dirty="0">
                 <a:solidFill>
-                  <a:schemeClr val="folHlink"/>
+                  <a:srgbClr val="0432FF"/>
                 </a:solidFill>
                 <a:latin typeface="Courier New" panose="02070309020205020404" pitchFamily="49" charset="0"/>
               </a:rPr>
-              <a:t>void Tree_inOrder (T t, void (*visit)(poly));</a:t>
+              <a:t>void </a:t>
+            </a:r>
+            <a:r>
+              <a:rPr lang="en-US" altLang="zh-CN" sz="2000" b="1" dirty="0" err="1">
+                <a:solidFill>
+                  <a:srgbClr val="0432FF"/>
+                </a:solidFill>
+                <a:latin typeface="Courier New" panose="02070309020205020404" pitchFamily="49" charset="0"/>
+              </a:rPr>
+              <a:t>Tree_inOrder</a:t>
+            </a:r>
+            <a:r>
+              <a:rPr lang="en-US" altLang="zh-CN" sz="2000" b="1" dirty="0">
+                <a:solidFill>
+                  <a:srgbClr val="0432FF"/>
+                </a:solidFill>
+                <a:latin typeface="Courier New" panose="02070309020205020404" pitchFamily="49" charset="0"/>
+              </a:rPr>
+              <a:t>(T t, void(*visit)(</a:t>
+            </a:r>
+            <a:r>
+              <a:rPr lang="en-US" altLang="zh-CN" sz="2000" b="1" dirty="0" err="1">
+                <a:solidFill>
+                  <a:srgbClr val="0432FF"/>
+                </a:solidFill>
+                <a:latin typeface="Courier New" panose="02070309020205020404" pitchFamily="49" charset="0"/>
+              </a:rPr>
+              <a:t>Poly_t</a:t>
+            </a:r>
+            <a:r>
+              <a:rPr lang="en-US" altLang="zh-CN" sz="2000" b="1" dirty="0">
+                <a:solidFill>
+                  <a:srgbClr val="0432FF"/>
+                </a:solidFill>
+                <a:latin typeface="Courier New" panose="02070309020205020404" pitchFamily="49" charset="0"/>
+              </a:rPr>
+              <a:t>));</a:t>
             </a:r>
           </a:p>
           <a:p>
@@ -5667,13 +5855,49 @@
               <a:buNone/>
             </a:pPr>
             <a:r>
-              <a:rPr lang="en-US" altLang="zh-CN" sz="2000" b="1">
+              <a:rPr lang="en-US" altLang="zh-CN" sz="2000" b="1" dirty="0">
                 <a:solidFill>
-                  <a:schemeClr val="folHlink"/>
+                  <a:srgbClr val="0432FF"/>
                 </a:solidFill>
                 <a:latin typeface="Courier New" panose="02070309020205020404" pitchFamily="49" charset="0"/>
               </a:rPr>
-              <a:t>void Tree_postOrder (T t, void (*visit)(poly));</a:t>
+              <a:t>void </a:t>
+            </a:r>
+            <a:r>
+              <a:rPr lang="en-US" altLang="zh-CN" sz="2000" b="1" dirty="0" err="1">
+                <a:solidFill>
+                  <a:srgbClr val="0432FF"/>
+                </a:solidFill>
+                <a:latin typeface="Courier New" panose="02070309020205020404" pitchFamily="49" charset="0"/>
+              </a:rPr>
+              <a:t>Tree_postOrder</a:t>
+            </a:r>
+            <a:r>
+              <a:rPr lang="en-US" altLang="zh-CN" sz="2000" b="1" dirty="0">
+                <a:solidFill>
+                  <a:srgbClr val="0432FF"/>
+                </a:solidFill>
+                <a:latin typeface="Courier New" panose="02070309020205020404" pitchFamily="49" charset="0"/>
+              </a:rPr>
+              <a:t>(T t, void(*visit)(</a:t>
+            </a:r>
+            <a:r>
+              <a:rPr lang="en-US" altLang="zh-CN" sz="2000" b="1" dirty="0" err="1">
+                <a:solidFill>
+                  <a:srgbClr val="0432FF"/>
+                </a:solidFill>
+                <a:latin typeface="Courier New" panose="02070309020205020404" pitchFamily="49" charset="0"/>
+              </a:rPr>
+              <a:t>Poly_t</a:t>
+            </a:r>
+            <a:r>
+              <a:rPr lang="en-US" altLang="zh-CN" sz="2000" b="1" dirty="0">
+                <a:solidFill>
+                  <a:srgbClr val="0432FF"/>
+                </a:solidFill>
+                <a:latin typeface="Courier New" panose="02070309020205020404" pitchFamily="49" charset="0"/>
+              </a:rPr>
+              <a:t>));</a:t>
             </a:r>
           </a:p>
           <a:p>
@@ -5685,13 +5909,49 @@
               <a:buNone/>
             </a:pPr>
             <a:r>
-              <a:rPr lang="en-US" altLang="zh-CN" sz="2000" b="1">
+              <a:rPr lang="en-US" altLang="zh-CN" sz="2000" b="1" dirty="0">
                 <a:solidFill>
-                  <a:schemeClr val="folHlink"/>
+                  <a:srgbClr val="0432FF"/>
                 </a:solidFill>
                 <a:latin typeface="Courier New" panose="02070309020205020404" pitchFamily="49" charset="0"/>
               </a:rPr>
-              <a:t>void Tree_levelOrder (T t, void (*visit)(poly));</a:t>
+              <a:t>void </a:t>
+            </a:r>
+            <a:r>
+              <a:rPr lang="en-US" altLang="zh-CN" sz="2000" b="1" dirty="0" err="1">
+                <a:solidFill>
+                  <a:srgbClr val="0432FF"/>
+                </a:solidFill>
+                <a:latin typeface="Courier New" panose="02070309020205020404" pitchFamily="49" charset="0"/>
+              </a:rPr>
+              <a:t>Tree_levelOrder</a:t>
+            </a:r>
+            <a:r>
+              <a:rPr lang="en-US" altLang="zh-CN" sz="2000" b="1" dirty="0">
+                <a:solidFill>
+                  <a:srgbClr val="0432FF"/>
+                </a:solidFill>
+                <a:latin typeface="Courier New" panose="02070309020205020404" pitchFamily="49" charset="0"/>
+              </a:rPr>
+              <a:t>(T t, void(*visit)(</a:t>
+            </a:r>
+            <a:r>
+              <a:rPr lang="en-US" altLang="zh-CN" sz="2000" b="1" dirty="0" err="1">
+                <a:solidFill>
+                  <a:srgbClr val="0432FF"/>
+                </a:solidFill>
+                <a:latin typeface="Courier New" panose="02070309020205020404" pitchFamily="49" charset="0"/>
+              </a:rPr>
+              <a:t>Poly_t</a:t>
+            </a:r>
+            <a:r>
+              <a:rPr lang="en-US" altLang="zh-CN" sz="2000" b="1" dirty="0">
+                <a:solidFill>
+                  <a:srgbClr val="0432FF"/>
+                </a:solidFill>
+                <a:latin typeface="Courier New" panose="02070309020205020404" pitchFamily="49" charset="0"/>
+              </a:rPr>
+              <a:t>));</a:t>
             </a:r>
           </a:p>
           <a:p>
@@ -5702,9 +5962,9 @@
               <a:buFont typeface="Wingdings" pitchFamily="2" charset="2"/>
               <a:buNone/>
             </a:pPr>
-            <a:endParaRPr lang="en-US" altLang="zh-CN" sz="2000" b="1">
+            <a:endParaRPr lang="en-US" altLang="zh-CN" sz="2000" b="1" dirty="0">
               <a:solidFill>
-                <a:schemeClr val="folHlink"/>
+                <a:srgbClr val="0432FF"/>
               </a:solidFill>
               <a:latin typeface="Courier New" panose="02070309020205020404" pitchFamily="49" charset="0"/>
             </a:endParaRPr>
@@ -5718,13 +5978,31 @@
               <a:buNone/>
             </a:pPr>
             <a:r>
-              <a:rPr lang="en-US" altLang="zh-CN" sz="2000" b="1">
+              <a:rPr lang="en-US" altLang="zh-CN" sz="2000" b="1" dirty="0">
                 <a:solidFill>
-                  <a:schemeClr val="folHlink"/>
+                  <a:srgbClr val="0432FF"/>
                 </a:solidFill>
                 <a:latin typeface="Courier New" panose="02070309020205020404" pitchFamily="49" charset="0"/>
               </a:rPr>
-              <a:t>#undef T</a:t>
+              <a:t>#</a:t>
+            </a:r>
+            <a:r>
+              <a:rPr lang="en-US" altLang="zh-CN" sz="2000" b="1" dirty="0" err="1">
+                <a:solidFill>
+                  <a:srgbClr val="0432FF"/>
+                </a:solidFill>
+                <a:latin typeface="Courier New" panose="02070309020205020404" pitchFamily="49" charset="0"/>
+              </a:rPr>
+              <a:t>undef</a:t>
+            </a:r>
+            <a:r>
+              <a:rPr lang="en-US" altLang="zh-CN" sz="2000" b="1" dirty="0">
+                <a:solidFill>
+                  <a:srgbClr val="0432FF"/>
+                </a:solidFill>
+                <a:latin typeface="Courier New" panose="02070309020205020404" pitchFamily="49" charset="0"/>
+              </a:rPr>
+              <a:t> T</a:t>
             </a:r>
           </a:p>
           <a:p>
@@ -5736,9 +6014,9 @@
               <a:buNone/>
             </a:pPr>
             <a:r>
-              <a:rPr lang="en-US" altLang="zh-CN" sz="2000" b="1">
+              <a:rPr lang="en-US" altLang="zh-CN" sz="2000" b="1" dirty="0">
                 <a:solidFill>
-                  <a:schemeClr val="folHlink"/>
+                  <a:srgbClr val="0432FF"/>
                 </a:solidFill>
                 <a:latin typeface="Courier New" panose="02070309020205020404" pitchFamily="49" charset="0"/>
               </a:rPr>
@@ -5826,10 +6104,22 @@
               <a:buNone/>
             </a:pPr>
             <a:r>
-              <a:rPr lang="en-US" altLang="zh-CN" sz="2000" b="1">
+              <a:rPr lang="en-US" altLang="zh-CN" sz="2000" b="1" dirty="0">
                 <a:latin typeface="Courier New" panose="02070309020205020404" pitchFamily="49" charset="0"/>
               </a:rPr>
-              <a:t>// in file “tree.c”</a:t>
+              <a:t>// in file “</a:t>
+            </a:r>
+            <a:r>
+              <a:rPr lang="en-US" altLang="zh-CN" sz="2000" b="1" dirty="0" err="1">
+                <a:latin typeface="Courier New" panose="02070309020205020404" pitchFamily="49" charset="0"/>
+              </a:rPr>
+              <a:t>tree.c</a:t>
+            </a:r>
+            <a:r>
+              <a:rPr lang="en-US" altLang="zh-CN" sz="2000" b="1" dirty="0">
+                <a:latin typeface="Courier New" panose="02070309020205020404" pitchFamily="49" charset="0"/>
+              </a:rPr>
+              <a:t>”</a:t>
             </a:r>
           </a:p>
           <a:p>
@@ -5838,13 +6128,31 @@
               <a:buNone/>
             </a:pPr>
             <a:r>
-              <a:rPr lang="en-US" altLang="zh-CN" sz="2000" b="1">
+              <a:rPr lang="en-US" altLang="zh-CN" sz="2000" b="1" dirty="0">
                 <a:solidFill>
-                  <a:schemeClr val="folHlink"/>
+                  <a:srgbClr val="0432FF"/>
                 </a:solidFill>
                 <a:latin typeface="Courier New" panose="02070309020205020404" pitchFamily="49" charset="0"/>
               </a:rPr>
-              <a:t>#include “tree.h”</a:t>
+              <a:t>#include “</a:t>
+            </a:r>
+            <a:r>
+              <a:rPr lang="en-US" altLang="zh-CN" sz="2000" b="1" dirty="0" err="1">
+                <a:solidFill>
+                  <a:srgbClr val="0432FF"/>
+                </a:solidFill>
+                <a:latin typeface="Courier New" panose="02070309020205020404" pitchFamily="49" charset="0"/>
+              </a:rPr>
+              <a:t>tree.h</a:t>
+            </a:r>
+            <a:r>
+              <a:rPr lang="en-US" altLang="zh-CN" sz="2000" b="1" dirty="0">
+                <a:solidFill>
+                  <a:srgbClr val="0432FF"/>
+                </a:solidFill>
+                <a:latin typeface="Courier New" panose="02070309020205020404" pitchFamily="49" charset="0"/>
+              </a:rPr>
+              <a:t>”</a:t>
             </a:r>
           </a:p>
           <a:p>
@@ -5852,15 +6160,12 @@
               <a:buFont typeface="Wingdings" pitchFamily="2" charset="2"/>
               <a:buNone/>
             </a:pPr>
-            <a:r>
-              <a:rPr lang="en-US" altLang="zh-CN" sz="2000" b="1">
-                <a:solidFill>
-                  <a:schemeClr val="folHlink"/>
-                </a:solidFill>
-                <a:latin typeface="Courier New" panose="02070309020205020404" pitchFamily="49" charset="0"/>
-              </a:rPr>
-              <a:t>#define T Tree_t</a:t>
-            </a:r>
+            <a:endParaRPr lang="en-US" altLang="zh-CN" sz="2000" b="1" dirty="0">
+              <a:solidFill>
+                <a:srgbClr val="0432FF"/>
+              </a:solidFill>
+              <a:latin typeface="Courier New" panose="02070309020205020404" pitchFamily="49" charset="0"/>
+            </a:endParaRPr>
           </a:p>
           <a:p>
             <a:pPr>
@@ -5868,13 +6173,31 @@
               <a:buNone/>
             </a:pPr>
             <a:r>
-              <a:rPr lang="en-US" altLang="zh-CN" sz="2000" b="1">
+              <a:rPr lang="en-US" altLang="zh-CN" sz="2000" b="1" dirty="0">
                 <a:solidFill>
-                  <a:schemeClr val="folHlink"/>
+                  <a:srgbClr val="0432FF"/>
                 </a:solidFill>
                 <a:latin typeface="Courier New" panose="02070309020205020404" pitchFamily="49" charset="0"/>
               </a:rPr>
-              <a:t>struct T</a:t>
+              <a:t>struct </a:t>
+            </a:r>
+            <a:r>
+              <a:rPr lang="en-US" altLang="zh-CN" sz="2000" b="1" dirty="0" err="1">
+                <a:solidFill>
+                  <a:srgbClr val="0432FF"/>
+                </a:solidFill>
+                <a:latin typeface="Courier New" panose="02070309020205020404" pitchFamily="49" charset="0"/>
+              </a:rPr>
+              <a:t>Tree_t</a:t>
+            </a:r>
+            <a:r>
+              <a:rPr lang="en-US" altLang="zh-CN" sz="2000" b="1" dirty="0">
+                <a:solidFill>
+                  <a:srgbClr val="0432FF"/>
+                </a:solidFill>
+                <a:latin typeface="Courier New" panose="02070309020205020404" pitchFamily="49" charset="0"/>
+              </a:rPr>
+              <a:t>{</a:t>
             </a:r>
           </a:p>
           <a:p>
@@ -5883,13 +6206,40 @@
               <a:buNone/>
             </a:pPr>
             <a:r>
-              <a:rPr lang="en-US" altLang="zh-CN" sz="2000" b="1">
+              <a:rPr lang="en-US" altLang="zh-CN" sz="2000" b="1" dirty="0">
                 <a:solidFill>
-                  <a:schemeClr val="folHlink"/>
+                  <a:srgbClr val="0432FF"/>
                 </a:solidFill>
                 <a:latin typeface="Courier New" panose="02070309020205020404" pitchFamily="49" charset="0"/>
               </a:rPr>
-              <a:t>{</a:t>
+              <a:t> </a:t>
+            </a:r>
+            <a:r>
+              <a:rPr lang="zh-CN" altLang="en-US" sz="2000" b="1" dirty="0">
+                <a:solidFill>
+                  <a:srgbClr val="0432FF"/>
+                </a:solidFill>
+                <a:latin typeface="Courier New" panose="02070309020205020404" pitchFamily="49" charset="0"/>
+              </a:rPr>
+              <a:t> </a:t>
+            </a:r>
+            <a:r>
+              <a:rPr lang="en-US" altLang="zh-CN" sz="2000" b="1" dirty="0" err="1">
+                <a:solidFill>
+                  <a:srgbClr val="0432FF"/>
+                </a:solidFill>
+                <a:latin typeface="Courier New" panose="02070309020205020404" pitchFamily="49" charset="0"/>
+              </a:rPr>
+              <a:t>Poly_t</a:t>
+            </a:r>
+            <a:r>
+              <a:rPr lang="en-US" altLang="zh-CN" sz="2000" b="1" dirty="0">
+                <a:solidFill>
+                  <a:srgbClr val="0432FF"/>
+                </a:solidFill>
+                <a:latin typeface="Courier New" panose="02070309020205020404" pitchFamily="49" charset="0"/>
+              </a:rPr>
+              <a:t> data;</a:t>
             </a:r>
           </a:p>
           <a:p>
@@ -5898,13 +6248,31 @@
               <a:buNone/>
             </a:pPr>
             <a:r>
-              <a:rPr lang="en-US" altLang="zh-CN" sz="2000" b="1">
+              <a:rPr lang="en-US" altLang="zh-CN" sz="2000" b="1" dirty="0">
                 <a:solidFill>
-                  <a:schemeClr val="folHlink"/>
+                  <a:srgbClr val="0432FF"/>
                 </a:solidFill>
                 <a:latin typeface="Courier New" panose="02070309020205020404" pitchFamily="49" charset="0"/>
               </a:rPr>
-              <a:t>  poly data;</a:t>
+              <a:t>  </a:t>
+            </a:r>
+            <a:r>
+              <a:rPr lang="en-US" altLang="zh-CN" sz="2000" b="1" dirty="0" err="1">
+                <a:solidFill>
+                  <a:srgbClr val="0432FF"/>
+                </a:solidFill>
+                <a:latin typeface="Courier New" panose="02070309020205020404" pitchFamily="49" charset="0"/>
+              </a:rPr>
+              <a:t>Tree_t</a:t>
+            </a:r>
+            <a:r>
+              <a:rPr lang="en-US" altLang="zh-CN" sz="2000" b="1" dirty="0">
+                <a:solidFill>
+                  <a:srgbClr val="0432FF"/>
+                </a:solidFill>
+                <a:latin typeface="Courier New" panose="02070309020205020404" pitchFamily="49" charset="0"/>
+              </a:rPr>
+              <a:t> left;</a:t>
             </a:r>
           </a:p>
           <a:p>
@@ -5913,13 +6281,31 @@
               <a:buNone/>
             </a:pPr>
             <a:r>
-              <a:rPr lang="en-US" altLang="zh-CN" sz="2000" b="1">
+              <a:rPr lang="en-US" altLang="zh-CN" sz="2000" b="1" dirty="0">
                 <a:solidFill>
-                  <a:schemeClr val="folHlink"/>
+                  <a:srgbClr val="0432FF"/>
                 </a:solidFill>
                 <a:latin typeface="Courier New" panose="02070309020205020404" pitchFamily="49" charset="0"/>
               </a:rPr>
-              <a:t>  Tree_t left;</a:t>
+              <a:t>  </a:t>
+            </a:r>
+            <a:r>
+              <a:rPr lang="en-US" altLang="zh-CN" sz="2000" b="1" dirty="0" err="1">
+                <a:solidFill>
+                  <a:srgbClr val="0432FF"/>
+                </a:solidFill>
+                <a:latin typeface="Courier New" panose="02070309020205020404" pitchFamily="49" charset="0"/>
+              </a:rPr>
+              <a:t>Tree_t</a:t>
+            </a:r>
+            <a:r>
+              <a:rPr lang="en-US" altLang="zh-CN" sz="2000" b="1" dirty="0">
+                <a:solidFill>
+                  <a:srgbClr val="0432FF"/>
+                </a:solidFill>
+                <a:latin typeface="Courier New" panose="02070309020205020404" pitchFamily="49" charset="0"/>
+              </a:rPr>
+              <a:t> right;</a:t>
             </a:r>
           </a:p>
           <a:p>
@@ -5928,13 +6314,13 @@
               <a:buNone/>
             </a:pPr>
             <a:r>
-              <a:rPr lang="en-US" altLang="zh-CN" sz="2000" b="1">
+              <a:rPr lang="en-US" altLang="zh-CN" sz="2000" b="1" dirty="0">
                 <a:solidFill>
-                  <a:schemeClr val="folHlink"/>
+                  <a:srgbClr val="0432FF"/>
                 </a:solidFill>
                 <a:latin typeface="Courier New" panose="02070309020205020404" pitchFamily="49" charset="0"/>
               </a:rPr>
-              <a:t>  Tree_t right;</a:t>
+              <a:t>};</a:t>
             </a:r>
           </a:p>
           <a:p>
@@ -5942,22 +6328,7 @@
               <a:buFont typeface="Wingdings" pitchFamily="2" charset="2"/>
               <a:buNone/>
             </a:pPr>
-            <a:r>
-              <a:rPr lang="en-US" altLang="zh-CN" sz="2000" b="1">
-                <a:solidFill>
-                  <a:schemeClr val="folHlink"/>
-                </a:solidFill>
-                <a:latin typeface="Courier New" panose="02070309020205020404" pitchFamily="49" charset="0"/>
-              </a:rPr>
-              <a:t>};</a:t>
-            </a:r>
-          </a:p>
-          <a:p>
-            <a:pPr>
-              <a:buFont typeface="Wingdings" pitchFamily="2" charset="2"/>
-              <a:buNone/>
-            </a:pPr>
-            <a:endParaRPr lang="en-US" altLang="zh-CN" sz="2000" b="1">
+            <a:endParaRPr lang="en-US" altLang="zh-CN" sz="2000" b="1" dirty="0">
               <a:solidFill>
                 <a:schemeClr val="folHlink"/>
               </a:solidFill>
@@ -6507,7 +6878,7 @@
               <a:buNone/>
             </a:pPr>
             <a:r>
-              <a:rPr lang="en-US" altLang="zh-CN" sz="2000" b="1">
+              <a:rPr lang="en-US" altLang="zh-CN" sz="2000" b="1" dirty="0">
                 <a:latin typeface="Courier New" panose="02070309020205020404" pitchFamily="49" charset="0"/>
               </a:rPr>
               <a:t>// “new” creates an empty new binary tree. Just </a:t>
@@ -6522,7 +6893,7 @@
               <a:buNone/>
             </a:pPr>
             <a:r>
-              <a:rPr lang="en-US" altLang="zh-CN" sz="2000" b="1">
+              <a:rPr lang="en-US" altLang="zh-CN" sz="2000" b="1" dirty="0">
                 <a:latin typeface="Courier New" panose="02070309020205020404" pitchFamily="49" charset="0"/>
               </a:rPr>
               <a:t>// as the case for linked list, it just returns 0.</a:t>
@@ -6537,13 +6908,40 @@
               <a:buNone/>
             </a:pPr>
             <a:r>
-              <a:rPr lang="en-US" altLang="zh-CN" sz="2000" b="1">
+              <a:rPr lang="en-US" altLang="zh-CN" sz="2000" b="1" dirty="0" err="1">
                 <a:solidFill>
-                  <a:schemeClr val="folHlink"/>
+                  <a:srgbClr val="0432FF"/>
                 </a:solidFill>
                 <a:latin typeface="Courier New" panose="02070309020205020404" pitchFamily="49" charset="0"/>
               </a:rPr>
-              <a:t>T Tree_new ()</a:t>
+              <a:t>Tree_t</a:t>
+            </a:r>
+            <a:r>
+              <a:rPr lang="en-US" altLang="zh-CN" sz="2000" b="1" dirty="0">
+                <a:solidFill>
+                  <a:srgbClr val="0432FF"/>
+                </a:solidFill>
+                <a:latin typeface="Courier New" panose="02070309020205020404" pitchFamily="49" charset="0"/>
+              </a:rPr>
+              <a:t> </a:t>
+            </a:r>
+            <a:r>
+              <a:rPr lang="en-US" altLang="zh-CN" sz="2000" b="1" dirty="0" err="1">
+                <a:solidFill>
+                  <a:srgbClr val="0432FF"/>
+                </a:solidFill>
+                <a:latin typeface="Courier New" panose="02070309020205020404" pitchFamily="49" charset="0"/>
+              </a:rPr>
+              <a:t>Tree_new</a:t>
+            </a:r>
+            <a:r>
+              <a:rPr lang="en-US" altLang="zh-CN" sz="2000" b="1" dirty="0">
+                <a:solidFill>
+                  <a:srgbClr val="0432FF"/>
+                </a:solidFill>
+                <a:latin typeface="Courier New" panose="02070309020205020404" pitchFamily="49" charset="0"/>
+              </a:rPr>
+              <a:t>(){</a:t>
             </a:r>
           </a:p>
           <a:p>
@@ -6555,13 +6953,13 @@
               <a:buNone/>
             </a:pPr>
             <a:r>
-              <a:rPr lang="en-US" altLang="zh-CN" sz="2000" b="1">
+              <a:rPr lang="en-US" altLang="zh-CN" sz="2000" b="1" dirty="0">
                 <a:solidFill>
-                  <a:schemeClr val="folHlink"/>
+                  <a:srgbClr val="0432FF"/>
                 </a:solidFill>
                 <a:latin typeface="Courier New" panose="02070309020205020404" pitchFamily="49" charset="0"/>
               </a:rPr>
-              <a:t>{</a:t>
+              <a:t>  return 0;</a:t>
             </a:r>
           </a:p>
           <a:p>
@@ -6573,13 +6971,13 @@
               <a:buNone/>
             </a:pPr>
             <a:r>
-              <a:rPr lang="en-US" altLang="zh-CN" sz="2000" b="1">
+              <a:rPr lang="en-US" altLang="zh-CN" sz="2000" b="1" dirty="0">
                 <a:solidFill>
-                  <a:schemeClr val="folHlink"/>
+                  <a:srgbClr val="0432FF"/>
                 </a:solidFill>
                 <a:latin typeface="Courier New" panose="02070309020205020404" pitchFamily="49" charset="0"/>
               </a:rPr>
-              <a:t>  return 0;</a:t>
+              <a:t>}</a:t>
             </a:r>
           </a:p>
           <a:p>
@@ -6590,15 +6988,12 @@
               <a:buFont typeface="Wingdings" pitchFamily="2" charset="2"/>
               <a:buNone/>
             </a:pPr>
-            <a:r>
-              <a:rPr lang="en-US" altLang="zh-CN" sz="2000" b="1">
-                <a:solidFill>
-                  <a:schemeClr val="folHlink"/>
-                </a:solidFill>
-                <a:latin typeface="Courier New" panose="02070309020205020404" pitchFamily="49" charset="0"/>
-              </a:rPr>
-              <a:t>}</a:t>
-            </a:r>
+            <a:endParaRPr lang="en-US" altLang="zh-CN" sz="2000" b="1" dirty="0">
+              <a:solidFill>
+                <a:schemeClr val="folHlink"/>
+              </a:solidFill>
+              <a:latin typeface="Courier New" panose="02070309020205020404" pitchFamily="49" charset="0"/>
+            </a:endParaRPr>
           </a:p>
           <a:p>
             <a:pPr>
@@ -6608,23 +7003,8 @@
               <a:buFont typeface="Wingdings" pitchFamily="2" charset="2"/>
               <a:buNone/>
             </a:pPr>
-            <a:endParaRPr lang="en-US" altLang="zh-CN" sz="2000" b="1">
-              <a:solidFill>
-                <a:schemeClr val="folHlink"/>
-              </a:solidFill>
-              <a:latin typeface="Courier New" panose="02070309020205020404" pitchFamily="49" charset="0"/>
-            </a:endParaRPr>
-          </a:p>
-          <a:p>
-            <a:pPr>
-              <a:lnSpc>
-                <a:spcPct val="90000"/>
-              </a:lnSpc>
-              <a:buFont typeface="Wingdings" pitchFamily="2" charset="2"/>
-              <a:buNone/>
-            </a:pPr>
-            <a:r>
-              <a:rPr lang="en-US" altLang="zh-CN" sz="2000" b="1">
+            <a:r>
+              <a:rPr lang="en-US" altLang="zh-CN" sz="2000" b="1" dirty="0">
                 <a:latin typeface="Courier New" panose="02070309020205020404" pitchFamily="49" charset="0"/>
               </a:rPr>
               <a:t>// This is essentially a functional style tree!</a:t>
@@ -6731,7 +7111,7 @@
               <a:buNone/>
             </a:pPr>
             <a:r>
-              <a:rPr lang="en-US" altLang="zh-CN" sz="2000" b="1">
+              <a:rPr lang="en-US" altLang="zh-CN" sz="2000" b="1" dirty="0">
                 <a:latin typeface="Courier New" panose="02070309020205020404" pitchFamily="49" charset="0"/>
               </a:rPr>
               <a:t>// “newTree2” creates an tree node with fields </a:t>
@@ -6746,7 +7126,7 @@
               <a:buNone/>
             </a:pPr>
             <a:r>
-              <a:rPr lang="en-US" altLang="zh-CN" sz="2000" b="1">
+              <a:rPr lang="en-US" altLang="zh-CN" sz="2000" b="1" dirty="0">
                 <a:latin typeface="Courier New" panose="02070309020205020404" pitchFamily="49" charset="0"/>
               </a:rPr>
               <a:t>// properly initialized.</a:t>
@@ -6761,13 +7141,40 @@
               <a:buNone/>
             </a:pPr>
             <a:r>
-              <a:rPr lang="en-US" altLang="zh-CN" sz="2000" b="1">
+              <a:rPr lang="en-US" altLang="zh-CN" sz="2000" b="1" dirty="0" err="1">
                 <a:solidFill>
-                  <a:schemeClr val="folHlink"/>
+                  <a:srgbClr val="0432FF"/>
                 </a:solidFill>
                 <a:latin typeface="Courier New" panose="02070309020205020404" pitchFamily="49" charset="0"/>
               </a:rPr>
-              <a:t>T Tree_new2 (T left, poly data, T right)</a:t>
+              <a:t>Tree_t</a:t>
+            </a:r>
+            <a:r>
+              <a:rPr lang="en-US" altLang="zh-CN" sz="2000" b="1" dirty="0">
+                <a:solidFill>
+                  <a:srgbClr val="0432FF"/>
+                </a:solidFill>
+                <a:latin typeface="Courier New" panose="02070309020205020404" pitchFamily="49" charset="0"/>
+              </a:rPr>
+              <a:t> Tree_new2(</a:t>
+            </a:r>
+            <a:r>
+              <a:rPr lang="en-US" altLang="zh-CN" sz="2000" b="1" dirty="0" err="1">
+                <a:solidFill>
+                  <a:srgbClr val="0432FF"/>
+                </a:solidFill>
+                <a:latin typeface="Courier New" panose="02070309020205020404" pitchFamily="49" charset="0"/>
+              </a:rPr>
+              <a:t>Tree_t</a:t>
+            </a:r>
+            <a:r>
+              <a:rPr lang="en-US" altLang="zh-CN" sz="2000" b="1" dirty="0">
+                <a:solidFill>
+                  <a:srgbClr val="0432FF"/>
+                </a:solidFill>
+                <a:latin typeface="Courier New" panose="02070309020205020404" pitchFamily="49" charset="0"/>
+              </a:rPr>
+              <a:t> left, </a:t>
             </a:r>
           </a:p>
           <a:p>
@@ -6779,13 +7186,49 @@
               <a:buNone/>
             </a:pPr>
             <a:r>
-              <a:rPr lang="en-US" altLang="zh-CN" sz="2000" b="1">
+              <a:rPr lang="zh-CN" altLang="en-US" sz="2000" b="1" dirty="0">
                 <a:solidFill>
-                  <a:schemeClr val="folHlink"/>
+                  <a:srgbClr val="0432FF"/>
                 </a:solidFill>
                 <a:latin typeface="Courier New" panose="02070309020205020404" pitchFamily="49" charset="0"/>
               </a:rPr>
-              <a:t>{</a:t>
+              <a:t>                 </a:t>
+            </a:r>
+            <a:r>
+              <a:rPr lang="en-US" altLang="zh-CN" sz="2000" b="1" dirty="0" err="1">
+                <a:solidFill>
+                  <a:srgbClr val="0432FF"/>
+                </a:solidFill>
+                <a:latin typeface="Courier New" panose="02070309020205020404" pitchFamily="49" charset="0"/>
+              </a:rPr>
+              <a:t>Poly_t</a:t>
+            </a:r>
+            <a:r>
+              <a:rPr lang="en-US" altLang="zh-CN" sz="2000" b="1" dirty="0">
+                <a:solidFill>
+                  <a:srgbClr val="0432FF"/>
+                </a:solidFill>
+                <a:latin typeface="Courier New" panose="02070309020205020404" pitchFamily="49" charset="0"/>
+              </a:rPr>
+              <a:t> data, </a:t>
+            </a:r>
+            <a:r>
+              <a:rPr lang="en-US" altLang="zh-CN" sz="2000" b="1" dirty="0" err="1">
+                <a:solidFill>
+                  <a:srgbClr val="0432FF"/>
+                </a:solidFill>
+                <a:latin typeface="Courier New" panose="02070309020205020404" pitchFamily="49" charset="0"/>
+              </a:rPr>
+              <a:t>Tree_t</a:t>
+            </a:r>
+            <a:r>
+              <a:rPr lang="en-US" altLang="zh-CN" sz="2000" b="1" dirty="0">
+                <a:solidFill>
+                  <a:srgbClr val="0432FF"/>
+                </a:solidFill>
+                <a:latin typeface="Courier New" panose="02070309020205020404" pitchFamily="49" charset="0"/>
+              </a:rPr>
+              <a:t> right){</a:t>
             </a:r>
           </a:p>
           <a:p>
@@ -6797,13 +7240,76 @@
               <a:buNone/>
             </a:pPr>
             <a:r>
-              <a:rPr lang="en-US" altLang="zh-CN" sz="2000" b="1">
+              <a:rPr lang="en-US" altLang="zh-CN" sz="2000" b="1" dirty="0">
                 <a:solidFill>
-                  <a:schemeClr val="folHlink"/>
+                  <a:srgbClr val="0432FF"/>
                 </a:solidFill>
                 <a:latin typeface="Courier New" panose="02070309020205020404" pitchFamily="49" charset="0"/>
               </a:rPr>
-              <a:t>  T t = malloc (sizeof (*t));</a:t>
+              <a:t>  </a:t>
+            </a:r>
+            <a:r>
+              <a:rPr lang="en-US" altLang="zh-CN" sz="2000" b="1" dirty="0" err="1">
+                <a:solidFill>
+                  <a:srgbClr val="0432FF"/>
+                </a:solidFill>
+                <a:latin typeface="Courier New" panose="02070309020205020404" pitchFamily="49" charset="0"/>
+              </a:rPr>
+              <a:t>Tree_t</a:t>
+            </a:r>
+            <a:r>
+              <a:rPr lang="en-US" altLang="zh-CN" sz="2000" b="1" dirty="0">
+                <a:solidFill>
+                  <a:srgbClr val="0432FF"/>
+                </a:solidFill>
+                <a:latin typeface="Courier New" panose="02070309020205020404" pitchFamily="49" charset="0"/>
+              </a:rPr>
+              <a:t> t = </a:t>
+            </a:r>
+            <a:r>
+              <a:rPr lang="en-US" altLang="zh-CN" sz="2000" b="1" dirty="0" err="1">
+                <a:solidFill>
+                  <a:srgbClr val="0432FF"/>
+                </a:solidFill>
+                <a:latin typeface="Courier New" panose="02070309020205020404" pitchFamily="49" charset="0"/>
+              </a:rPr>
+              <a:t>calloc</a:t>
+            </a:r>
+            <a:r>
+              <a:rPr lang="en-US" altLang="zh-CN" sz="2000" b="1" dirty="0">
+                <a:solidFill>
+                  <a:srgbClr val="0432FF"/>
+                </a:solidFill>
+                <a:latin typeface="Courier New" panose="02070309020205020404" pitchFamily="49" charset="0"/>
+              </a:rPr>
+              <a:t>(1,</a:t>
+            </a:r>
+            <a:r>
+              <a:rPr lang="zh-CN" altLang="en-US" sz="2000" b="1" dirty="0">
+                <a:solidFill>
+                  <a:srgbClr val="0432FF"/>
+                </a:solidFill>
+                <a:latin typeface="Courier New" panose="02070309020205020404" pitchFamily="49" charset="0"/>
+              </a:rPr>
+              <a:t> </a:t>
+            </a:r>
+            <a:r>
+              <a:rPr lang="en-US" altLang="zh-CN" sz="2000" b="1" dirty="0" err="1">
+                <a:solidFill>
+                  <a:srgbClr val="0432FF"/>
+                </a:solidFill>
+                <a:latin typeface="Courier New" panose="02070309020205020404" pitchFamily="49" charset="0"/>
+              </a:rPr>
+              <a:t>sizeof</a:t>
+            </a:r>
+            <a:r>
+              <a:rPr lang="en-US" altLang="zh-CN" sz="2000" b="1" dirty="0">
+                <a:solidFill>
+                  <a:srgbClr val="0432FF"/>
+                </a:solidFill>
+                <a:latin typeface="Courier New" panose="02070309020205020404" pitchFamily="49" charset="0"/>
+              </a:rPr>
+              <a:t> (*t));</a:t>
             </a:r>
           </a:p>
           <a:p>
@@ -6815,9 +7321,9 @@
               <a:buNone/>
             </a:pPr>
             <a:r>
-              <a:rPr lang="en-US" altLang="zh-CN" sz="2000" b="1">
+              <a:rPr lang="en-US" altLang="zh-CN" sz="2000" b="1" dirty="0">
                 <a:solidFill>
-                  <a:schemeClr val="folHlink"/>
+                  <a:srgbClr val="0432FF"/>
                 </a:solidFill>
                 <a:latin typeface="Courier New" panose="02070309020205020404" pitchFamily="49" charset="0"/>
               </a:rPr>
@@ -6833,9 +7339,9 @@
               <a:buNone/>
             </a:pPr>
             <a:r>
-              <a:rPr lang="en-US" altLang="zh-CN" sz="2000" b="1">
+              <a:rPr lang="en-US" altLang="zh-CN" sz="2000" b="1" dirty="0">
                 <a:solidFill>
-                  <a:schemeClr val="folHlink"/>
+                  <a:srgbClr val="0432FF"/>
                 </a:solidFill>
                 <a:latin typeface="Courier New" panose="02070309020205020404" pitchFamily="49" charset="0"/>
               </a:rPr>
@@ -6851,9 +7357,9 @@
               <a:buNone/>
             </a:pPr>
             <a:r>
-              <a:rPr lang="en-US" altLang="zh-CN" sz="2000" b="1">
+              <a:rPr lang="en-US" altLang="zh-CN" sz="2000" b="1" dirty="0">
                 <a:solidFill>
-                  <a:schemeClr val="folHlink"/>
+                  <a:srgbClr val="0432FF"/>
                 </a:solidFill>
                 <a:latin typeface="Courier New" panose="02070309020205020404" pitchFamily="49" charset="0"/>
               </a:rPr>
@@ -6868,9 +7374,9 @@
               <a:buFont typeface="Wingdings" pitchFamily="2" charset="2"/>
               <a:buNone/>
             </a:pPr>
-            <a:endParaRPr lang="en-US" altLang="zh-CN" sz="2000" b="1">
+            <a:endParaRPr lang="en-US" altLang="zh-CN" sz="2000" b="1" dirty="0">
               <a:solidFill>
-                <a:schemeClr val="folHlink"/>
+                <a:srgbClr val="0432FF"/>
               </a:solidFill>
               <a:latin typeface="Courier New" panose="02070309020205020404" pitchFamily="49" charset="0"/>
             </a:endParaRPr>
@@ -6884,9 +7390,9 @@
               <a:buNone/>
             </a:pPr>
             <a:r>
-              <a:rPr lang="en-US" altLang="zh-CN" sz="2000" b="1">
+              <a:rPr lang="en-US" altLang="zh-CN" sz="2000" b="1" dirty="0">
                 <a:solidFill>
-                  <a:schemeClr val="folHlink"/>
+                  <a:srgbClr val="0432FF"/>
                 </a:solidFill>
                 <a:latin typeface="Courier New" panose="02070309020205020404" pitchFamily="49" charset="0"/>
               </a:rPr>
@@ -6902,9 +7408,9 @@
               <a:buNone/>
             </a:pPr>
             <a:r>
-              <a:rPr lang="en-US" altLang="zh-CN" sz="2000" b="1">
+              <a:rPr lang="en-US" altLang="zh-CN" sz="2000" b="1" dirty="0">
                 <a:solidFill>
-                  <a:schemeClr val="folHlink"/>
+                  <a:srgbClr val="0432FF"/>
                 </a:solidFill>
                 <a:latin typeface="Courier New" panose="02070309020205020404" pitchFamily="49" charset="0"/>
               </a:rPr>
@@ -9482,7 +9988,7 @@
         <p:spPr bwMode="auto">
           <a:xfrm>
             <a:off x="5105400" y="2057400"/>
-            <a:ext cx="3840163" cy="2225675"/>
+            <a:ext cx="3840163" cy="1938992"/>
           </a:xfrm>
           <a:prstGeom prst="rect">
             <a:avLst/>
@@ -9528,139 +10034,217 @@
           <a:lstStyle/>
           <a:p>
             <a:r>
-              <a:rPr lang="en-US" altLang="zh-CN" sz="2000"/>
-              <a:t>// the creation process:</a:t>
-            </a:r>
-          </a:p>
-          <a:p>
-            <a:r>
-              <a:rPr lang="en-US" altLang="zh-CN" sz="2000"/>
-              <a:t>t1 = new2 (0, </a:t>
-            </a:r>
-            <a:r>
-              <a:rPr lang="en-US" altLang="zh-CN" sz="2000">
+              <a:rPr lang="en-US" altLang="zh-CN" sz="2000" dirty="0"/>
+              <a:t>// bottom-up creation process:</a:t>
+            </a:r>
+          </a:p>
+          <a:p>
+            <a:r>
+              <a:rPr lang="en-US" altLang="zh-CN" sz="2000" dirty="0">
+                <a:solidFill>
+                  <a:srgbClr val="0432FF"/>
+                </a:solidFill>
+              </a:rPr>
+              <a:t>t1 = new2(0, </a:t>
+            </a:r>
+            <a:r>
+              <a:rPr lang="en-US" altLang="zh-CN" sz="2000" dirty="0">
+                <a:solidFill>
+                  <a:srgbClr val="0432FF"/>
+                </a:solidFill>
                 <a:latin typeface="Arial" panose="020B0604020202020204" pitchFamily="34" charset="0"/>
               </a:rPr>
               <a:t>“</a:t>
             </a:r>
             <a:r>
-              <a:rPr lang="en-US" altLang="zh-CN" sz="2000"/>
+              <a:rPr lang="en-US" altLang="zh-CN" sz="2000" dirty="0">
+                <a:solidFill>
+                  <a:srgbClr val="0432FF"/>
+                </a:solidFill>
+              </a:rPr>
               <a:t>subsec111</a:t>
             </a:r>
             <a:r>
-              <a:rPr lang="en-US" altLang="zh-CN" sz="2000">
+              <a:rPr lang="en-US" altLang="zh-CN" sz="2000" dirty="0">
+                <a:solidFill>
+                  <a:srgbClr val="0432FF"/>
+                </a:solidFill>
                 <a:latin typeface="Arial" panose="020B0604020202020204" pitchFamily="34" charset="0"/>
               </a:rPr>
               <a:t>”</a:t>
             </a:r>
             <a:r>
-              <a:rPr lang="en-US" altLang="zh-CN" sz="2000"/>
+              <a:rPr lang="en-US" altLang="zh-CN" sz="2000" dirty="0">
+                <a:solidFill>
+                  <a:srgbClr val="0432FF"/>
+                </a:solidFill>
+              </a:rPr>
               <a:t>, 0);</a:t>
             </a:r>
           </a:p>
           <a:p>
             <a:r>
-              <a:rPr lang="en-US" altLang="zh-CN" sz="2000"/>
-              <a:t>t2 = new2 (t1, </a:t>
-            </a:r>
-            <a:r>
-              <a:rPr lang="en-US" altLang="zh-CN" sz="2000">
+              <a:rPr lang="en-US" altLang="zh-CN" sz="2000" dirty="0">
+                <a:solidFill>
+                  <a:srgbClr val="0432FF"/>
+                </a:solidFill>
+              </a:rPr>
+              <a:t>t2 = new2(t1, </a:t>
+            </a:r>
+            <a:r>
+              <a:rPr lang="en-US" altLang="zh-CN" sz="2000" dirty="0">
+                <a:solidFill>
+                  <a:srgbClr val="0432FF"/>
+                </a:solidFill>
                 <a:latin typeface="Arial" panose="020B0604020202020204" pitchFamily="34" charset="0"/>
               </a:rPr>
               <a:t>“</a:t>
             </a:r>
             <a:r>
-              <a:rPr lang="en-US" altLang="zh-CN" sz="2000"/>
+              <a:rPr lang="en-US" altLang="zh-CN" sz="2000" dirty="0">
+                <a:solidFill>
+                  <a:srgbClr val="0432FF"/>
+                </a:solidFill>
+              </a:rPr>
               <a:t>sec11</a:t>
             </a:r>
             <a:r>
-              <a:rPr lang="en-US" altLang="zh-CN" sz="2000">
+              <a:rPr lang="en-US" altLang="zh-CN" sz="2000" dirty="0">
+                <a:solidFill>
+                  <a:srgbClr val="0432FF"/>
+                </a:solidFill>
                 <a:latin typeface="Arial" panose="020B0604020202020204" pitchFamily="34" charset="0"/>
               </a:rPr>
               <a:t>”</a:t>
             </a:r>
             <a:r>
-              <a:rPr lang="en-US" altLang="zh-CN" sz="2000"/>
+              <a:rPr lang="en-US" altLang="zh-CN" sz="2000" dirty="0">
+                <a:solidFill>
+                  <a:srgbClr val="0432FF"/>
+                </a:solidFill>
+              </a:rPr>
               <a:t>, 0);</a:t>
             </a:r>
           </a:p>
           <a:p>
             <a:r>
-              <a:rPr lang="en-US" altLang="zh-CN" sz="2000"/>
+              <a:rPr lang="en-US" altLang="zh-CN" sz="2000" dirty="0">
+                <a:solidFill>
+                  <a:srgbClr val="0432FF"/>
+                </a:solidFill>
+              </a:rPr>
               <a:t>t3 =</a:t>
             </a:r>
             <a:r>
-              <a:rPr lang="en-US" altLang="zh-CN"/>
+              <a:rPr lang="en-US" altLang="zh-CN" dirty="0">
+                <a:solidFill>
+                  <a:srgbClr val="0432FF"/>
+                </a:solidFill>
+              </a:rPr>
               <a:t> </a:t>
             </a:r>
             <a:r>
-              <a:rPr lang="en-US" altLang="zh-CN" sz="2000"/>
-              <a:t>new2 (0, </a:t>
-            </a:r>
-            <a:r>
-              <a:rPr lang="en-US" altLang="zh-CN" sz="2000">
+              <a:rPr lang="en-US" altLang="zh-CN" sz="2000" dirty="0">
+                <a:solidFill>
+                  <a:srgbClr val="0432FF"/>
+                </a:solidFill>
+              </a:rPr>
+              <a:t>new2(0, </a:t>
+            </a:r>
+            <a:r>
+              <a:rPr lang="en-US" altLang="zh-CN" sz="2000" dirty="0">
+                <a:solidFill>
+                  <a:srgbClr val="0432FF"/>
+                </a:solidFill>
                 <a:latin typeface="Arial" panose="020B0604020202020204" pitchFamily="34" charset="0"/>
               </a:rPr>
               <a:t>“</a:t>
             </a:r>
             <a:r>
-              <a:rPr lang="en-US" altLang="zh-CN" sz="2000"/>
+              <a:rPr lang="en-US" altLang="zh-CN" sz="2000" dirty="0">
+                <a:solidFill>
+                  <a:srgbClr val="0432FF"/>
+                </a:solidFill>
+              </a:rPr>
               <a:t>sec12</a:t>
             </a:r>
             <a:r>
-              <a:rPr lang="en-US" altLang="zh-CN" sz="2000">
+              <a:rPr lang="en-US" altLang="zh-CN" sz="2000" dirty="0">
+                <a:solidFill>
+                  <a:srgbClr val="0432FF"/>
+                </a:solidFill>
                 <a:latin typeface="Arial" panose="020B0604020202020204" pitchFamily="34" charset="0"/>
               </a:rPr>
               <a:t>”</a:t>
             </a:r>
             <a:r>
-              <a:rPr lang="en-US" altLang="zh-CN" sz="2000"/>
+              <a:rPr lang="en-US" altLang="zh-CN" sz="2000" dirty="0">
+                <a:solidFill>
+                  <a:srgbClr val="0432FF"/>
+                </a:solidFill>
+              </a:rPr>
               <a:t>, 0);</a:t>
             </a:r>
           </a:p>
           <a:p>
             <a:r>
-              <a:rPr lang="en-US" altLang="zh-CN" sz="2000"/>
-              <a:t>t4 = new2 (t2, </a:t>
-            </a:r>
-            <a:r>
-              <a:rPr lang="en-US" altLang="zh-CN" sz="2000">
+              <a:rPr lang="en-US" altLang="zh-CN" sz="2000" dirty="0">
+                <a:solidFill>
+                  <a:srgbClr val="0432FF"/>
+                </a:solidFill>
+              </a:rPr>
+              <a:t>t4 = new2(t2, </a:t>
+            </a:r>
+            <a:r>
+              <a:rPr lang="en-US" altLang="zh-CN" sz="2000" dirty="0">
+                <a:solidFill>
+                  <a:srgbClr val="0432FF"/>
+                </a:solidFill>
                 <a:latin typeface="Arial" panose="020B0604020202020204" pitchFamily="34" charset="0"/>
               </a:rPr>
               <a:t>“</a:t>
             </a:r>
             <a:r>
-              <a:rPr lang="en-US" altLang="zh-CN" sz="2000"/>
+              <a:rPr lang="en-US" altLang="zh-CN" sz="2000" dirty="0">
+                <a:solidFill>
+                  <a:srgbClr val="0432FF"/>
+                </a:solidFill>
+              </a:rPr>
               <a:t>chap1</a:t>
             </a:r>
             <a:r>
-              <a:rPr lang="en-US" altLang="zh-CN" sz="2000">
+              <a:rPr lang="en-US" altLang="zh-CN" sz="2000" dirty="0">
+                <a:solidFill>
+                  <a:srgbClr val="0432FF"/>
+                </a:solidFill>
                 <a:latin typeface="Arial" panose="020B0604020202020204" pitchFamily="34" charset="0"/>
               </a:rPr>
               <a:t>”</a:t>
             </a:r>
             <a:r>
-              <a:rPr lang="en-US" altLang="zh-CN" sz="2000"/>
+              <a:rPr lang="en-US" altLang="zh-CN" sz="2000" dirty="0">
+                <a:solidFill>
+                  <a:srgbClr val="0432FF"/>
+                </a:solidFill>
+              </a:rPr>
               <a:t>, t3);</a:t>
             </a:r>
           </a:p>
           <a:p>
             <a:r>
-              <a:rPr lang="en-US" altLang="zh-CN" sz="2000">
+              <a:rPr lang="en-US" altLang="zh-CN" sz="2000" dirty="0">
+                <a:solidFill>
+                  <a:srgbClr val="0432FF"/>
+                </a:solidFill>
                 <a:latin typeface="Arial" panose="020B0604020202020204" pitchFamily="34" charset="0"/>
               </a:rPr>
               <a:t>…</a:t>
             </a:r>
-            <a:endParaRPr lang="en-US" altLang="zh-CN" sz="2000"/>
-          </a:p>
-          <a:p>
-            <a:r>
-              <a:rPr lang="en-US" altLang="zh-CN" sz="2000">
-                <a:latin typeface="Arial" panose="020B0604020202020204" pitchFamily="34" charset="0"/>
-              </a:rPr>
-              <a:t>…</a:t>
-            </a:r>
-            <a:endParaRPr lang="en-US" altLang="zh-CN" sz="2000"/>
+            <a:endParaRPr lang="en-US" altLang="zh-CN" sz="2000" dirty="0">
+              <a:solidFill>
+                <a:srgbClr val="0432FF"/>
+              </a:solidFill>
+            </a:endParaRPr>
           </a:p>
         </p:txBody>
       </p:sp>
@@ -11839,13 +12423,49 @@
               <a:buNone/>
             </a:pPr>
             <a:r>
-              <a:rPr lang="en-US" altLang="zh-CN" sz="2000" b="1">
+              <a:rPr lang="en-US" altLang="zh-CN" sz="2000" b="1" dirty="0">
                 <a:solidFill>
-                  <a:schemeClr val="folHlink"/>
+                  <a:srgbClr val="0432FF"/>
                 </a:solidFill>
                 <a:latin typeface="Courier New" panose="02070309020205020404" pitchFamily="49" charset="0"/>
               </a:rPr>
-              <a:t>void preOrder (T t, void (*visit)(poly))</a:t>
+              <a:t>void </a:t>
+            </a:r>
+            <a:r>
+              <a:rPr lang="en-US" altLang="zh-CN" sz="2000" b="1" dirty="0" err="1">
+                <a:solidFill>
+                  <a:srgbClr val="0432FF"/>
+                </a:solidFill>
+                <a:latin typeface="Courier New" panose="02070309020205020404" pitchFamily="49" charset="0"/>
+              </a:rPr>
+              <a:t>Tree_preOrder</a:t>
+            </a:r>
+            <a:r>
+              <a:rPr lang="en-US" altLang="zh-CN" sz="2000" b="1" dirty="0">
+                <a:solidFill>
+                  <a:srgbClr val="0432FF"/>
+                </a:solidFill>
+                <a:latin typeface="Courier New" panose="02070309020205020404" pitchFamily="49" charset="0"/>
+              </a:rPr>
+              <a:t>(T t, void(*visit)(</a:t>
+            </a:r>
+            <a:r>
+              <a:rPr lang="en-US" altLang="zh-CN" sz="2000" b="1" dirty="0" err="1">
+                <a:solidFill>
+                  <a:srgbClr val="0432FF"/>
+                </a:solidFill>
+                <a:latin typeface="Courier New" panose="02070309020205020404" pitchFamily="49" charset="0"/>
+              </a:rPr>
+              <a:t>Poly_t</a:t>
+            </a:r>
+            <a:r>
+              <a:rPr lang="en-US" altLang="zh-CN" sz="2000" b="1" dirty="0">
+                <a:solidFill>
+                  <a:srgbClr val="0432FF"/>
+                </a:solidFill>
+                <a:latin typeface="Courier New" panose="02070309020205020404" pitchFamily="49" charset="0"/>
+              </a:rPr>
+              <a:t>)){</a:t>
             </a:r>
           </a:p>
           <a:p>
@@ -11857,13 +12477,22 @@
               <a:buNone/>
             </a:pPr>
             <a:r>
-              <a:rPr lang="en-US" altLang="zh-CN" sz="2000" b="1">
+              <a:rPr lang="zh-CN" altLang="en-US" sz="2000" b="1" dirty="0">
                 <a:solidFill>
-                  <a:schemeClr val="folHlink"/>
+                  <a:srgbClr val="0432FF"/>
                 </a:solidFill>
                 <a:latin typeface="Courier New" panose="02070309020205020404" pitchFamily="49" charset="0"/>
               </a:rPr>
-              <a:t>{</a:t>
+              <a:t>  </a:t>
+            </a:r>
+            <a:r>
+              <a:rPr lang="en-US" altLang="zh-CN" sz="2000" b="1" dirty="0">
+                <a:solidFill>
+                  <a:srgbClr val="0432FF"/>
+                </a:solidFill>
+                <a:latin typeface="Courier New" panose="02070309020205020404" pitchFamily="49" charset="0"/>
+              </a:rPr>
+              <a:t>if(!t)</a:t>
             </a:r>
           </a:p>
           <a:p>
@@ -11875,13 +12504,22 @@
               <a:buNone/>
             </a:pPr>
             <a:r>
-              <a:rPr lang="en-US" altLang="zh-CN" sz="2000" b="1">
+              <a:rPr lang="zh-CN" altLang="en-US" sz="2000" b="1" dirty="0">
                 <a:solidFill>
-                  <a:schemeClr val="folHlink"/>
+                  <a:srgbClr val="0432FF"/>
                 </a:solidFill>
                 <a:latin typeface="Courier New" panose="02070309020205020404" pitchFamily="49" charset="0"/>
               </a:rPr>
-              <a:t>  if (t) {</a:t>
+              <a:t>    </a:t>
+            </a:r>
+            <a:r>
+              <a:rPr lang="en-US" altLang="zh-CN" sz="2000" b="1" dirty="0">
+                <a:solidFill>
+                  <a:srgbClr val="0432FF"/>
+                </a:solidFill>
+                <a:latin typeface="Courier New" panose="02070309020205020404" pitchFamily="49" charset="0"/>
+              </a:rPr>
+              <a:t>return;</a:t>
             </a:r>
           </a:p>
           <a:p>
@@ -11892,15 +12530,12 @@
               <a:buFont typeface="Wingdings" pitchFamily="2" charset="2"/>
               <a:buNone/>
             </a:pPr>
-            <a:r>
-              <a:rPr lang="en-US" altLang="zh-CN" sz="2000" b="1">
-                <a:solidFill>
-                  <a:schemeClr val="folHlink"/>
-                </a:solidFill>
-                <a:latin typeface="Courier New" panose="02070309020205020404" pitchFamily="49" charset="0"/>
-              </a:rPr>
-              <a:t>    visit (t-&gt;data);</a:t>
-            </a:r>
+            <a:endParaRPr lang="en-US" altLang="zh-CN" sz="2000" b="1" dirty="0">
+              <a:solidFill>
+                <a:srgbClr val="0432FF"/>
+              </a:solidFill>
+              <a:latin typeface="Courier New" panose="02070309020205020404" pitchFamily="49" charset="0"/>
+            </a:endParaRPr>
           </a:p>
           <a:p>
             <a:pPr>
@@ -11911,13 +12546,101 @@
               <a:buNone/>
             </a:pPr>
             <a:r>
-              <a:rPr lang="en-US" altLang="zh-CN" sz="2000" b="1">
+              <a:rPr lang="en-US" altLang="zh-CN" sz="2000" b="1" dirty="0">
                 <a:solidFill>
-                  <a:schemeClr val="folHlink"/>
+                  <a:srgbClr val="0432FF"/>
                 </a:solidFill>
                 <a:latin typeface="Courier New" panose="02070309020205020404" pitchFamily="49" charset="0"/>
               </a:rPr>
-              <a:t>    preOrder (t-&gt;left, visit);</a:t>
+              <a:t>  visit(t-&gt;data);</a:t>
+            </a:r>
+          </a:p>
+          <a:p>
+            <a:pPr>
+              <a:lnSpc>
+                <a:spcPct val="90000"/>
+              </a:lnSpc>
+              <a:buNone/>
+            </a:pPr>
+            <a:r>
+              <a:rPr lang="en-US" altLang="zh-CN" sz="2000" b="1" dirty="0">
+                <a:solidFill>
+                  <a:srgbClr val="0432FF"/>
+                </a:solidFill>
+                <a:latin typeface="Courier New" panose="02070309020205020404" pitchFamily="49" charset="0"/>
+              </a:rPr>
+              <a:t> </a:t>
+            </a:r>
+            <a:r>
+              <a:rPr lang="zh-CN" altLang="en-US" sz="2000" b="1" dirty="0">
+                <a:solidFill>
+                  <a:srgbClr val="0432FF"/>
+                </a:solidFill>
+                <a:latin typeface="Courier New" panose="02070309020205020404" pitchFamily="49" charset="0"/>
+              </a:rPr>
+              <a:t> </a:t>
+            </a:r>
+            <a:r>
+              <a:rPr lang="en-US" altLang="zh-CN" sz="2000" b="1" dirty="0" err="1">
+                <a:solidFill>
+                  <a:srgbClr val="0432FF"/>
+                </a:solidFill>
+                <a:latin typeface="Courier New" panose="02070309020205020404" pitchFamily="49" charset="0"/>
+              </a:rPr>
+              <a:t>Tree_preOrder</a:t>
+            </a:r>
+            <a:r>
+              <a:rPr lang="en-US" altLang="zh-CN" sz="2000" b="1" dirty="0">
+                <a:solidFill>
+                  <a:srgbClr val="0432FF"/>
+                </a:solidFill>
+                <a:latin typeface="Courier New" panose="02070309020205020404" pitchFamily="49" charset="0"/>
+              </a:rPr>
+              <a:t>(t-&gt;left, visit);</a:t>
+            </a:r>
+          </a:p>
+          <a:p>
+            <a:pPr>
+              <a:lnSpc>
+                <a:spcPct val="90000"/>
+              </a:lnSpc>
+              <a:buNone/>
+            </a:pPr>
+            <a:r>
+              <a:rPr lang="en-US" altLang="zh-CN" sz="2000" b="1" dirty="0">
+                <a:solidFill>
+                  <a:srgbClr val="0432FF"/>
+                </a:solidFill>
+                <a:latin typeface="Courier New" panose="02070309020205020404" pitchFamily="49" charset="0"/>
+              </a:rPr>
+              <a:t> </a:t>
+            </a:r>
+            <a:r>
+              <a:rPr lang="zh-CN" altLang="en-US" sz="2000" b="1" dirty="0">
+                <a:solidFill>
+                  <a:srgbClr val="0432FF"/>
+                </a:solidFill>
+                <a:latin typeface="Courier New" panose="02070309020205020404" pitchFamily="49" charset="0"/>
+              </a:rPr>
+              <a:t> </a:t>
+            </a:r>
+            <a:r>
+              <a:rPr lang="en-US" altLang="zh-CN" sz="2000" b="1" dirty="0" err="1">
+                <a:solidFill>
+                  <a:srgbClr val="0432FF"/>
+                </a:solidFill>
+                <a:latin typeface="Courier New" panose="02070309020205020404" pitchFamily="49" charset="0"/>
+              </a:rPr>
+              <a:t>Tree_preOrder</a:t>
+            </a:r>
+            <a:r>
+              <a:rPr lang="en-US" altLang="zh-CN" sz="2000" b="1" dirty="0">
+                <a:solidFill>
+                  <a:srgbClr val="0432FF"/>
+                </a:solidFill>
+                <a:latin typeface="Courier New" panose="02070309020205020404" pitchFamily="49" charset="0"/>
+              </a:rPr>
+              <a:t>(t-&gt;right, visit);</a:t>
             </a:r>
           </a:p>
           <a:p>
@@ -11929,13 +12652,13 @@
               <a:buNone/>
             </a:pPr>
             <a:r>
-              <a:rPr lang="en-US" altLang="zh-CN" sz="2000" b="1">
+              <a:rPr lang="en-US" altLang="zh-CN" sz="2000" b="1" dirty="0">
                 <a:solidFill>
-                  <a:schemeClr val="folHlink"/>
+                  <a:srgbClr val="0432FF"/>
                 </a:solidFill>
                 <a:latin typeface="Courier New" panose="02070309020205020404" pitchFamily="49" charset="0"/>
               </a:rPr>
-              <a:t>    preOrder (t-&gt;right, visit);</a:t>
+              <a:t>}</a:t>
             </a:r>
           </a:p>
           <a:p>
@@ -11946,63 +12669,12 @@
               <a:buFont typeface="Wingdings" pitchFamily="2" charset="2"/>
               <a:buNone/>
             </a:pPr>
-            <a:r>
-              <a:rPr lang="en-US" altLang="zh-CN" sz="2000" b="1">
-                <a:solidFill>
-                  <a:schemeClr val="folHlink"/>
-                </a:solidFill>
-                <a:latin typeface="Courier New" panose="02070309020205020404" pitchFamily="49" charset="0"/>
-              </a:rPr>
-              <a:t>  }</a:t>
-            </a:r>
-          </a:p>
-          <a:p>
-            <a:pPr>
-              <a:lnSpc>
-                <a:spcPct val="90000"/>
-              </a:lnSpc>
-              <a:buFont typeface="Wingdings" pitchFamily="2" charset="2"/>
-              <a:buNone/>
-            </a:pPr>
-            <a:r>
-              <a:rPr lang="en-US" altLang="zh-CN" sz="2000" b="1">
-                <a:solidFill>
-                  <a:schemeClr val="folHlink"/>
-                </a:solidFill>
-                <a:latin typeface="Courier New" panose="02070309020205020404" pitchFamily="49" charset="0"/>
-              </a:rPr>
-              <a:t>}</a:t>
-            </a:r>
-          </a:p>
-          <a:p>
-            <a:pPr>
-              <a:lnSpc>
-                <a:spcPct val="90000"/>
-              </a:lnSpc>
-              <a:buFont typeface="Wingdings" pitchFamily="2" charset="2"/>
-              <a:buNone/>
-            </a:pPr>
-            <a:r>
-              <a:rPr lang="en-US" altLang="zh-CN" sz="2000" b="1">
-                <a:latin typeface="Courier New" panose="02070309020205020404" pitchFamily="49" charset="0"/>
-              </a:rPr>
-              <a:t>// try visit = printf</a:t>
-            </a:r>
-          </a:p>
-          <a:p>
-            <a:pPr>
-              <a:lnSpc>
-                <a:spcPct val="90000"/>
-              </a:lnSpc>
-              <a:buFont typeface="Wingdings" pitchFamily="2" charset="2"/>
-              <a:buNone/>
-            </a:pPr>
-            <a:r>
-              <a:rPr lang="en-US" altLang="zh-CN" sz="2000" b="1">
-                <a:latin typeface="Courier New" panose="02070309020205020404" pitchFamily="49" charset="0"/>
-              </a:rPr>
-              <a:t>// Demo on blackboard!</a:t>
-            </a:r>
+            <a:endParaRPr lang="en-US" altLang="zh-CN" sz="2000" b="1" dirty="0">
+              <a:solidFill>
+                <a:srgbClr val="0432FF"/>
+              </a:solidFill>
+              <a:latin typeface="Courier New" panose="02070309020205020404" pitchFamily="49" charset="0"/>
+            </a:endParaRPr>
           </a:p>
         </p:txBody>
       </p:sp>
@@ -12871,128 +13543,6 @@
                       </p:childTnLst>
                     </p:cTn>
                   </p:par>
-                  <p:par>
-                    <p:cTn id="32" fill="hold" nodeType="clickPar">
-                      <p:stCondLst>
-                        <p:cond delay="indefinite"/>
-                      </p:stCondLst>
-                      <p:childTnLst>
-                        <p:par>
-                          <p:cTn id="33" fill="hold" nodeType="withGroup">
-                            <p:stCondLst>
-                              <p:cond delay="0"/>
-                            </p:stCondLst>
-                            <p:childTnLst>
-                              <p:par>
-                                <p:cTn id="34" presetID="3" presetClass="entr" presetSubtype="10" fill="hold" nodeType="clickEffect">
-                                  <p:stCondLst>
-                                    <p:cond delay="0"/>
-                                  </p:stCondLst>
-                                  <p:childTnLst>
-                                    <p:set>
-                                      <p:cBhvr>
-                                        <p:cTn id="35" dur="1" fill="hold">
-                                          <p:stCondLst>
-                                            <p:cond delay="0"/>
-                                          </p:stCondLst>
-                                        </p:cTn>
-                                        <p:tgtEl>
-                                          <p:spTgt spid="275459">
-                                            <p:txEl>
-                                              <p:pRg st="8" end="8"/>
-                                            </p:txEl>
-                                          </p:spTgt>
-                                        </p:tgtEl>
-                                        <p:attrNameLst>
-                                          <p:attrName>style.visibility</p:attrName>
-                                        </p:attrNameLst>
-                                      </p:cBhvr>
-                                      <p:to>
-                                        <p:strVal val="visible"/>
-                                      </p:to>
-                                    </p:set>
-                                    <p:animEffect transition="in" filter="blinds(horizontal)">
-                                      <p:cBhvr>
-                                        <p:cTn id="36" dur="500"/>
-                                        <p:tgtEl>
-                                          <p:spTgt spid="275459">
-                                            <p:txEl>
-                                              <p:pRg st="8" end="8"/>
-                                            </p:txEl>
-                                          </p:spTgt>
-                                        </p:tgtEl>
-                                      </p:cBhvr>
-                                    </p:animEffect>
-                                  </p:childTnLst>
-                                </p:cTn>
-                              </p:par>
-                            </p:childTnLst>
-                          </p:cTn>
-                        </p:par>
-                      </p:childTnLst>
-                    </p:cTn>
-                  </p:par>
-                  <p:par>
-                    <p:cTn id="37" fill="hold" nodeType="clickPar">
-                      <p:stCondLst>
-                        <p:cond delay="indefinite"/>
-                      </p:stCondLst>
-                      <p:childTnLst>
-                        <p:par>
-                          <p:cTn id="38" fill="hold" nodeType="withGroup">
-                            <p:stCondLst>
-                              <p:cond delay="0"/>
-                            </p:stCondLst>
-                            <p:childTnLst>
-                              <p:par>
-                                <p:cTn id="39" presetID="3" presetClass="entr" presetSubtype="10" fill="hold" nodeType="clickEffect">
-                                  <p:stCondLst>
-                                    <p:cond delay="0"/>
-                                  </p:stCondLst>
-                                  <p:childTnLst>
-                                    <p:set>
-                                      <p:cBhvr>
-                                        <p:cTn id="40" dur="1" fill="hold">
-                                          <p:stCondLst>
-                                            <p:cond delay="0"/>
-                                          </p:stCondLst>
-                                        </p:cTn>
-                                        <p:tgtEl>
-                                          <p:spTgt spid="275459">
-                                            <p:txEl>
-                                              <p:pRg st="9" end="9"/>
-                                            </p:txEl>
-                                          </p:spTgt>
-                                        </p:tgtEl>
-                                        <p:attrNameLst>
-                                          <p:attrName>style.visibility</p:attrName>
-                                        </p:attrNameLst>
-                                      </p:cBhvr>
-                                      <p:to>
-                                        <p:strVal val="visible"/>
-                                      </p:to>
-                                    </p:set>
-                                    <p:animEffect transition="in" filter="blinds(horizontal)">
-                                      <p:cBhvr>
-                                        <p:cTn id="41" dur="500"/>
-                                        <p:tgtEl>
-                                          <p:spTgt spid="275459">
-                                            <p:txEl>
-                                              <p:pRg st="9" end="9"/>
-                                            </p:txEl>
-                                          </p:spTgt>
-                                        </p:tgtEl>
-                                      </p:cBhvr>
-                                    </p:animEffect>
-                                  </p:childTnLst>
-                                </p:cTn>
-                              </p:par>
-                            </p:childTnLst>
-                          </p:cTn>
-                        </p:par>
-                      </p:childTnLst>
-                    </p:cTn>
-                  </p:par>
                 </p:childTnLst>
               </p:cTn>
               <p:prevCondLst>
@@ -13240,13 +13790,49 @@
               <a:buNone/>
             </a:pPr>
             <a:r>
-              <a:rPr lang="en-US" altLang="zh-CN" sz="2000" b="1">
+              <a:rPr lang="en-US" altLang="zh-CN" sz="2000" b="1" dirty="0">
                 <a:solidFill>
-                  <a:schemeClr val="folHlink"/>
+                  <a:srgbClr val="0432FF"/>
                 </a:solidFill>
                 <a:latin typeface="Courier New" panose="02070309020205020404" pitchFamily="49" charset="0"/>
               </a:rPr>
-              <a:t>void levelOrder (T t, void (*visit)(poly))</a:t>
+              <a:t>void </a:t>
+            </a:r>
+            <a:r>
+              <a:rPr lang="en-US" altLang="zh-CN" sz="2000" b="1" dirty="0" err="1">
+                <a:solidFill>
+                  <a:srgbClr val="0432FF"/>
+                </a:solidFill>
+                <a:latin typeface="Courier New" panose="02070309020205020404" pitchFamily="49" charset="0"/>
+              </a:rPr>
+              <a:t>Tree_levelOrder</a:t>
+            </a:r>
+            <a:r>
+              <a:rPr lang="en-US" altLang="zh-CN" sz="2000" b="1" dirty="0">
+                <a:solidFill>
+                  <a:srgbClr val="0432FF"/>
+                </a:solidFill>
+                <a:latin typeface="Courier New" panose="02070309020205020404" pitchFamily="49" charset="0"/>
+              </a:rPr>
+              <a:t>(T t, void(*visit)(</a:t>
+            </a:r>
+            <a:r>
+              <a:rPr lang="en-US" altLang="zh-CN" sz="2000" b="1" dirty="0" err="1">
+                <a:solidFill>
+                  <a:srgbClr val="0432FF"/>
+                </a:solidFill>
+                <a:latin typeface="Courier New" panose="02070309020205020404" pitchFamily="49" charset="0"/>
+              </a:rPr>
+              <a:t>Poly_t</a:t>
+            </a:r>
+            <a:r>
+              <a:rPr lang="en-US" altLang="zh-CN" sz="2000" b="1" dirty="0">
+                <a:solidFill>
+                  <a:srgbClr val="0432FF"/>
+                </a:solidFill>
+                <a:latin typeface="Courier New" panose="02070309020205020404" pitchFamily="49" charset="0"/>
+              </a:rPr>
+              <a:t>)){</a:t>
             </a:r>
           </a:p>
           <a:p>
@@ -13258,13 +13844,22 @@
               <a:buNone/>
             </a:pPr>
             <a:r>
-              <a:rPr lang="en-US" altLang="zh-CN" sz="2000" b="1">
+              <a:rPr lang="zh-CN" altLang="en-US" sz="2000" b="1" dirty="0">
                 <a:solidFill>
-                  <a:schemeClr val="folHlink"/>
+                  <a:srgbClr val="0432FF"/>
                 </a:solidFill>
                 <a:latin typeface="Courier New" panose="02070309020205020404" pitchFamily="49" charset="0"/>
               </a:rPr>
-              <a:t>{</a:t>
+              <a:t>  </a:t>
+            </a:r>
+            <a:r>
+              <a:rPr lang="en-US" altLang="zh-CN" sz="2000" b="1" dirty="0">
+                <a:solidFill>
+                  <a:srgbClr val="0432FF"/>
+                </a:solidFill>
+                <a:latin typeface="Courier New" panose="02070309020205020404" pitchFamily="49" charset="0"/>
+              </a:rPr>
+              <a:t>if(!t)</a:t>
             </a:r>
           </a:p>
           <a:p>
@@ -13276,13 +13871,22 @@
               <a:buNone/>
             </a:pPr>
             <a:r>
-              <a:rPr lang="en-US" altLang="zh-CN" sz="2000" b="1">
+              <a:rPr lang="zh-CN" altLang="en-US" sz="2000" b="1" dirty="0">
                 <a:solidFill>
-                  <a:schemeClr val="folHlink"/>
+                  <a:srgbClr val="0432FF"/>
                 </a:solidFill>
                 <a:latin typeface="Courier New" panose="02070309020205020404" pitchFamily="49" charset="0"/>
               </a:rPr>
-              <a:t>  Queue_t q = Queue_new ();</a:t>
+              <a:t>    </a:t>
+            </a:r>
+            <a:r>
+              <a:rPr lang="en-US" altLang="zh-CN" sz="2000" b="1" dirty="0">
+                <a:solidFill>
+                  <a:srgbClr val="0432FF"/>
+                </a:solidFill>
+                <a:latin typeface="Courier New" panose="02070309020205020404" pitchFamily="49" charset="0"/>
+              </a:rPr>
+              <a:t>return;</a:t>
             </a:r>
           </a:p>
           <a:p>
@@ -13294,13 +13898,49 @@
               <a:buNone/>
             </a:pPr>
             <a:r>
-              <a:rPr lang="en-US" altLang="zh-CN" sz="2000" b="1">
+              <a:rPr lang="en-US" altLang="zh-CN" sz="2000" b="1" dirty="0">
                 <a:solidFill>
-                  <a:schemeClr val="folHlink"/>
+                  <a:srgbClr val="0432FF"/>
                 </a:solidFill>
                 <a:latin typeface="Courier New" panose="02070309020205020404" pitchFamily="49" charset="0"/>
               </a:rPr>
-              <a:t>  if (t)</a:t>
+              <a:t>  </a:t>
+            </a:r>
+            <a:r>
+              <a:rPr lang="en-US" altLang="zh-CN" sz="2000" b="1" dirty="0" err="1">
+                <a:solidFill>
+                  <a:srgbClr val="0432FF"/>
+                </a:solidFill>
+                <a:latin typeface="Courier New" panose="02070309020205020404" pitchFamily="49" charset="0"/>
+              </a:rPr>
+              <a:t>Queue_t</a:t>
+            </a:r>
+            <a:r>
+              <a:rPr lang="en-US" altLang="zh-CN" sz="2000" b="1" dirty="0">
+                <a:solidFill>
+                  <a:srgbClr val="0432FF"/>
+                </a:solidFill>
+                <a:latin typeface="Courier New" panose="02070309020205020404" pitchFamily="49" charset="0"/>
+              </a:rPr>
+              <a:t> q = </a:t>
+            </a:r>
+            <a:r>
+              <a:rPr lang="en-US" altLang="zh-CN" sz="2000" b="1" dirty="0" err="1">
+                <a:solidFill>
+                  <a:srgbClr val="0432FF"/>
+                </a:solidFill>
+                <a:latin typeface="Courier New" panose="02070309020205020404" pitchFamily="49" charset="0"/>
+              </a:rPr>
+              <a:t>Queue_new</a:t>
+            </a:r>
+            <a:r>
+              <a:rPr lang="en-US" altLang="zh-CN" sz="2000" b="1" dirty="0">
+                <a:solidFill>
+                  <a:srgbClr val="0432FF"/>
+                </a:solidFill>
+                <a:latin typeface="Courier New" panose="02070309020205020404" pitchFamily="49" charset="0"/>
+              </a:rPr>
+              <a:t>();</a:t>
             </a:r>
           </a:p>
           <a:p>
@@ -13312,13 +13952,31 @@
               <a:buNone/>
             </a:pPr>
             <a:r>
-              <a:rPr lang="en-US" altLang="zh-CN" sz="2000" b="1">
+              <a:rPr lang="zh-CN" altLang="en-US" sz="2000" b="1" dirty="0">
                 <a:solidFill>
-                  <a:schemeClr val="folHlink"/>
+                  <a:srgbClr val="0432FF"/>
                 </a:solidFill>
                 <a:latin typeface="Courier New" panose="02070309020205020404" pitchFamily="49" charset="0"/>
               </a:rPr>
-              <a:t>    Queue_en (q, t);</a:t>
+              <a:t>  </a:t>
+            </a:r>
+            <a:r>
+              <a:rPr lang="en-US" altLang="zh-CN" sz="2000" b="1" dirty="0" err="1">
+                <a:solidFill>
+                  <a:srgbClr val="0432FF"/>
+                </a:solidFill>
+                <a:latin typeface="Courier New" panose="02070309020205020404" pitchFamily="49" charset="0"/>
+              </a:rPr>
+              <a:t>Queue_enQueue</a:t>
+            </a:r>
+            <a:r>
+              <a:rPr lang="en-US" altLang="zh-CN" sz="2000" b="1" dirty="0">
+                <a:solidFill>
+                  <a:srgbClr val="0432FF"/>
+                </a:solidFill>
+                <a:latin typeface="Courier New" panose="02070309020205020404" pitchFamily="49" charset="0"/>
+              </a:rPr>
+              <a:t>(q, t);</a:t>
             </a:r>
           </a:p>
           <a:p>
@@ -13330,13 +13988,31 @@
               <a:buNone/>
             </a:pPr>
             <a:r>
-              <a:rPr lang="en-US" altLang="zh-CN" sz="2000" b="1">
+              <a:rPr lang="en-US" altLang="zh-CN" sz="2000" b="1" dirty="0">
                 <a:solidFill>
-                  <a:schemeClr val="folHlink"/>
+                  <a:srgbClr val="0432FF"/>
                 </a:solidFill>
                 <a:latin typeface="Courier New" panose="02070309020205020404" pitchFamily="49" charset="0"/>
               </a:rPr>
-              <a:t>  while (!Queue_isEmpty(q)) {</a:t>
+              <a:t>  while(!</a:t>
+            </a:r>
+            <a:r>
+              <a:rPr lang="en-US" altLang="zh-CN" sz="2000" b="1" dirty="0" err="1">
+                <a:solidFill>
+                  <a:srgbClr val="0432FF"/>
+                </a:solidFill>
+                <a:latin typeface="Courier New" panose="02070309020205020404" pitchFamily="49" charset="0"/>
+              </a:rPr>
+              <a:t>Queue_isEmpty</a:t>
+            </a:r>
+            <a:r>
+              <a:rPr lang="en-US" altLang="zh-CN" sz="2000" b="1" dirty="0">
+                <a:solidFill>
+                  <a:srgbClr val="0432FF"/>
+                </a:solidFill>
+                <a:latin typeface="Courier New" panose="02070309020205020404" pitchFamily="49" charset="0"/>
+              </a:rPr>
+              <a:t>(q)) {</a:t>
             </a:r>
           </a:p>
           <a:p>
@@ -13348,13 +14024,31 @@
               <a:buNone/>
             </a:pPr>
             <a:r>
-              <a:rPr lang="en-US" altLang="zh-CN" sz="2000" b="1">
+              <a:rPr lang="en-US" altLang="zh-CN" sz="2000" b="1" dirty="0">
                 <a:solidFill>
-                  <a:schemeClr val="folHlink"/>
+                  <a:srgbClr val="0432FF"/>
                 </a:solidFill>
                 <a:latin typeface="Courier New" panose="02070309020205020404" pitchFamily="49" charset="0"/>
               </a:rPr>
-              <a:t>    T temp = Queue_de (q);</a:t>
+              <a:t>    T temp = </a:t>
+            </a:r>
+            <a:r>
+              <a:rPr lang="en-US" altLang="zh-CN" sz="2000" b="1" dirty="0" err="1">
+                <a:solidFill>
+                  <a:srgbClr val="0432FF"/>
+                </a:solidFill>
+                <a:latin typeface="Courier New" panose="02070309020205020404" pitchFamily="49" charset="0"/>
+              </a:rPr>
+              <a:t>Queue_deQueue</a:t>
+            </a:r>
+            <a:r>
+              <a:rPr lang="en-US" altLang="zh-CN" sz="2000" b="1" dirty="0">
+                <a:solidFill>
+                  <a:srgbClr val="0432FF"/>
+                </a:solidFill>
+                <a:latin typeface="Courier New" panose="02070309020205020404" pitchFamily="49" charset="0"/>
+              </a:rPr>
+              <a:t>(q);</a:t>
             </a:r>
           </a:p>
           <a:p>
@@ -13366,13 +14060,13 @@
               <a:buNone/>
             </a:pPr>
             <a:r>
-              <a:rPr lang="en-US" altLang="zh-CN" sz="2000" b="1">
+              <a:rPr lang="en-US" altLang="zh-CN" sz="2000" b="1" dirty="0">
                 <a:solidFill>
-                  <a:schemeClr val="folHlink"/>
+                  <a:srgbClr val="0432FF"/>
                 </a:solidFill>
                 <a:latin typeface="Courier New" panose="02070309020205020404" pitchFamily="49" charset="0"/>
               </a:rPr>
-              <a:t>    visit (temp-&gt;data);</a:t>
+              <a:t>    visit(temp-&gt;data);</a:t>
             </a:r>
           </a:p>
           <a:p>
@@ -13384,13 +14078,13 @@
               <a:buNone/>
             </a:pPr>
             <a:r>
-              <a:rPr lang="en-US" altLang="zh-CN" sz="2000" b="1">
+              <a:rPr lang="en-US" altLang="zh-CN" sz="2000" b="1" dirty="0">
                 <a:solidFill>
-                  <a:schemeClr val="folHlink"/>
+                  <a:srgbClr val="0432FF"/>
                 </a:solidFill>
                 <a:latin typeface="Courier New" panose="02070309020205020404" pitchFamily="49" charset="0"/>
               </a:rPr>
-              <a:t>    if (temp-&gt;left)</a:t>
+              <a:t>    if(temp-&gt;left)</a:t>
             </a:r>
           </a:p>
           <a:p>
@@ -13402,13 +14096,31 @@
               <a:buNone/>
             </a:pPr>
             <a:r>
-              <a:rPr lang="en-US" altLang="zh-CN" sz="2000" b="1">
+              <a:rPr lang="en-US" altLang="zh-CN" sz="2000" b="1" dirty="0">
                 <a:solidFill>
-                  <a:schemeClr val="folHlink"/>
+                  <a:srgbClr val="0432FF"/>
                 </a:solidFill>
                 <a:latin typeface="Courier New" panose="02070309020205020404" pitchFamily="49" charset="0"/>
               </a:rPr>
-              <a:t>      Queue_en (q, temp-&gt;left);</a:t>
+              <a:t>      </a:t>
+            </a:r>
+            <a:r>
+              <a:rPr lang="en-US" altLang="zh-CN" sz="2000" b="1" dirty="0" err="1">
+                <a:solidFill>
+                  <a:srgbClr val="0432FF"/>
+                </a:solidFill>
+                <a:latin typeface="Courier New" panose="02070309020205020404" pitchFamily="49" charset="0"/>
+              </a:rPr>
+              <a:t>Queue_enQueue</a:t>
+            </a:r>
+            <a:r>
+              <a:rPr lang="en-US" altLang="zh-CN" sz="2000" b="1" dirty="0">
+                <a:solidFill>
+                  <a:srgbClr val="0432FF"/>
+                </a:solidFill>
+                <a:latin typeface="Courier New" panose="02070309020205020404" pitchFamily="49" charset="0"/>
+              </a:rPr>
+              <a:t>(q, temp-&gt;left);</a:t>
             </a:r>
           </a:p>
           <a:p>
@@ -13420,13 +14132,13 @@
               <a:buNone/>
             </a:pPr>
             <a:r>
-              <a:rPr lang="en-US" altLang="zh-CN" sz="2000" b="1">
+              <a:rPr lang="en-US" altLang="zh-CN" sz="2000" b="1" dirty="0">
                 <a:solidFill>
-                  <a:schemeClr val="folHlink"/>
+                  <a:srgbClr val="0432FF"/>
                 </a:solidFill>
                 <a:latin typeface="Courier New" panose="02070309020205020404" pitchFamily="49" charset="0"/>
               </a:rPr>
-              <a:t>    if (temp-&gt;right)</a:t>
+              <a:t>    if(temp-&gt;right)</a:t>
             </a:r>
           </a:p>
           <a:p>
@@ -13438,13 +14150,31 @@
               <a:buNone/>
             </a:pPr>
             <a:r>
-              <a:rPr lang="en-US" altLang="zh-CN" sz="2000" b="1">
+              <a:rPr lang="en-US" altLang="zh-CN" sz="2000" b="1" dirty="0">
                 <a:solidFill>
-                  <a:schemeClr val="folHlink"/>
+                  <a:srgbClr val="0432FF"/>
                 </a:solidFill>
                 <a:latin typeface="Courier New" panose="02070309020205020404" pitchFamily="49" charset="0"/>
               </a:rPr>
-              <a:t>      Queue_en (q, temp-&gt;right);</a:t>
+              <a:t>      </a:t>
+            </a:r>
+            <a:r>
+              <a:rPr lang="en-US" altLang="zh-CN" sz="2000" b="1" dirty="0" err="1">
+                <a:solidFill>
+                  <a:srgbClr val="0432FF"/>
+                </a:solidFill>
+                <a:latin typeface="Courier New" panose="02070309020205020404" pitchFamily="49" charset="0"/>
+              </a:rPr>
+              <a:t>Queue_enQueue</a:t>
+            </a:r>
+            <a:r>
+              <a:rPr lang="en-US" altLang="zh-CN" sz="2000" b="1" dirty="0">
+                <a:solidFill>
+                  <a:srgbClr val="0432FF"/>
+                </a:solidFill>
+                <a:latin typeface="Courier New" panose="02070309020205020404" pitchFamily="49" charset="0"/>
+              </a:rPr>
+              <a:t>(q, temp-&gt;right);</a:t>
             </a:r>
           </a:p>
           <a:p>
@@ -13456,9 +14186,9 @@
               <a:buNone/>
             </a:pPr>
             <a:r>
-              <a:rPr lang="en-US" altLang="zh-CN" sz="2000" b="1">
+              <a:rPr lang="en-US" altLang="zh-CN" sz="2000" b="1" dirty="0">
                 <a:solidFill>
-                  <a:schemeClr val="folHlink"/>
+                  <a:srgbClr val="0432FF"/>
                 </a:solidFill>
                 <a:latin typeface="Courier New" panose="02070309020205020404" pitchFamily="49" charset="0"/>
               </a:rPr>
@@ -13474,9 +14204,9 @@
               <a:buNone/>
             </a:pPr>
             <a:r>
-              <a:rPr lang="en-US" altLang="zh-CN" sz="2000" b="1">
+              <a:rPr lang="en-US" altLang="zh-CN" sz="2000" b="1" dirty="0">
                 <a:solidFill>
-                  <a:schemeClr val="folHlink"/>
+                  <a:srgbClr val="0432FF"/>
                 </a:solidFill>
                 <a:latin typeface="Courier New" panose="02070309020205020404" pitchFamily="49" charset="0"/>
               </a:rPr>
@@ -13492,9 +14222,9 @@
               <a:buNone/>
             </a:pPr>
             <a:r>
-              <a:rPr lang="en-US" altLang="zh-CN" sz="2000" b="1">
+              <a:rPr lang="en-US" altLang="zh-CN" sz="2000" b="1" dirty="0">
                 <a:solidFill>
-                  <a:schemeClr val="folHlink"/>
+                  <a:srgbClr val="0432FF"/>
                 </a:solidFill>
                 <a:latin typeface="Courier New" panose="02070309020205020404" pitchFamily="49" charset="0"/>
               </a:rPr>
